--- a/Presentation.pptx
+++ b/Presentation.pptx
@@ -1,26 +1,121 @@
 
 <file path=ppt/presentation.xml><?xml version="1.0" encoding="utf-8"?>
-<p:presentation xmlns:a="http://schemas.openxmlformats.org/drawingml/2006/main" xmlns:p="http://schemas.openxmlformats.org/presentationml/2006/main" xmlns:r="http://schemas.openxmlformats.org/officeDocument/2006/relationships" xmlns:p14="http://schemas.microsoft.com/office/powerpoint/2010/main" xmlns:p15="http://schemas.microsoft.com/office/powerpoint/2012/main" xmlns:mc="http://schemas.openxmlformats.org/markup-compatibility/2006">
+<p:presentation xmlns:a="http://schemas.openxmlformats.org/drawingml/2006/main" xmlns:r="http://schemas.openxmlformats.org/officeDocument/2006/relationships" xmlns:p="http://schemas.openxmlformats.org/presentationml/2006/main">
   <p:sldMasterIdLst>
-    <p:sldMasterId id="2147483648" r:id="rId2"/>
-    <p:sldMasterId id="2147483650" r:id="rId3"/>
+    <p:sldMasterId id="2147483648" r:id="rId1"/>
+    <p:sldMasterId id="2147483650" r:id="rId2"/>
   </p:sldMasterIdLst>
   <p:sldIdLst>
-    <p:sldId id="256" r:id="rId4"/>
-    <p:sldId id="257" r:id="rId5"/>
-    <p:sldId id="258" r:id="rId6"/>
-    <p:sldId id="259" r:id="rId7"/>
-    <p:sldId id="260" r:id="rId8"/>
-    <p:sldId id="261" r:id="rId9"/>
-    <p:sldId id="262" r:id="rId10"/>
+    <p:sldId id="256" r:id="rId3"/>
+    <p:sldId id="257" r:id="rId4"/>
+    <p:sldId id="258" r:id="rId5"/>
+    <p:sldId id="259" r:id="rId6"/>
+    <p:sldId id="260" r:id="rId7"/>
+    <p:sldId id="261" r:id="rId8"/>
+    <p:sldId id="262" r:id="rId9"/>
   </p:sldIdLst>
   <p:sldSz cx="10080625" cy="5670550"/>
   <p:notesSz cx="7559675" cy="10691813"/>
+  <p:defaultTextStyle>
+    <a:defPPr>
+      <a:defRPr lang="en-US"/>
+    </a:defPPr>
+    <a:lvl1pPr marL="0" algn="l" defTabSz="914400" rtl="0" eaLnBrk="1" latinLnBrk="0" hangingPunct="1">
+      <a:defRPr sz="1800" kern="1200">
+        <a:solidFill>
+          <a:schemeClr val="tx1"/>
+        </a:solidFill>
+        <a:latin typeface="+mn-lt"/>
+        <a:ea typeface="+mn-ea"/>
+        <a:cs typeface="+mn-cs"/>
+      </a:defRPr>
+    </a:lvl1pPr>
+    <a:lvl2pPr marL="457200" algn="l" defTabSz="914400" rtl="0" eaLnBrk="1" latinLnBrk="0" hangingPunct="1">
+      <a:defRPr sz="1800" kern="1200">
+        <a:solidFill>
+          <a:schemeClr val="tx1"/>
+        </a:solidFill>
+        <a:latin typeface="+mn-lt"/>
+        <a:ea typeface="+mn-ea"/>
+        <a:cs typeface="+mn-cs"/>
+      </a:defRPr>
+    </a:lvl2pPr>
+    <a:lvl3pPr marL="914400" algn="l" defTabSz="914400" rtl="0" eaLnBrk="1" latinLnBrk="0" hangingPunct="1">
+      <a:defRPr sz="1800" kern="1200">
+        <a:solidFill>
+          <a:schemeClr val="tx1"/>
+        </a:solidFill>
+        <a:latin typeface="+mn-lt"/>
+        <a:ea typeface="+mn-ea"/>
+        <a:cs typeface="+mn-cs"/>
+      </a:defRPr>
+    </a:lvl3pPr>
+    <a:lvl4pPr marL="1371600" algn="l" defTabSz="914400" rtl="0" eaLnBrk="1" latinLnBrk="0" hangingPunct="1">
+      <a:defRPr sz="1800" kern="1200">
+        <a:solidFill>
+          <a:schemeClr val="tx1"/>
+        </a:solidFill>
+        <a:latin typeface="+mn-lt"/>
+        <a:ea typeface="+mn-ea"/>
+        <a:cs typeface="+mn-cs"/>
+      </a:defRPr>
+    </a:lvl4pPr>
+    <a:lvl5pPr marL="1828800" algn="l" defTabSz="914400" rtl="0" eaLnBrk="1" latinLnBrk="0" hangingPunct="1">
+      <a:defRPr sz="1800" kern="1200">
+        <a:solidFill>
+          <a:schemeClr val="tx1"/>
+        </a:solidFill>
+        <a:latin typeface="+mn-lt"/>
+        <a:ea typeface="+mn-ea"/>
+        <a:cs typeface="+mn-cs"/>
+      </a:defRPr>
+    </a:lvl5pPr>
+    <a:lvl6pPr marL="2286000" algn="l" defTabSz="914400" rtl="0" eaLnBrk="1" latinLnBrk="0" hangingPunct="1">
+      <a:defRPr sz="1800" kern="1200">
+        <a:solidFill>
+          <a:schemeClr val="tx1"/>
+        </a:solidFill>
+        <a:latin typeface="+mn-lt"/>
+        <a:ea typeface="+mn-ea"/>
+        <a:cs typeface="+mn-cs"/>
+      </a:defRPr>
+    </a:lvl6pPr>
+    <a:lvl7pPr marL="2743200" algn="l" defTabSz="914400" rtl="0" eaLnBrk="1" latinLnBrk="0" hangingPunct="1">
+      <a:defRPr sz="1800" kern="1200">
+        <a:solidFill>
+          <a:schemeClr val="tx1"/>
+        </a:solidFill>
+        <a:latin typeface="+mn-lt"/>
+        <a:ea typeface="+mn-ea"/>
+        <a:cs typeface="+mn-cs"/>
+      </a:defRPr>
+    </a:lvl7pPr>
+    <a:lvl8pPr marL="3200400" algn="l" defTabSz="914400" rtl="0" eaLnBrk="1" latinLnBrk="0" hangingPunct="1">
+      <a:defRPr sz="1800" kern="1200">
+        <a:solidFill>
+          <a:schemeClr val="tx1"/>
+        </a:solidFill>
+        <a:latin typeface="+mn-lt"/>
+        <a:ea typeface="+mn-ea"/>
+        <a:cs typeface="+mn-cs"/>
+      </a:defRPr>
+    </a:lvl8pPr>
+    <a:lvl9pPr marL="3657600" algn="l" defTabSz="914400" rtl="0" eaLnBrk="1" latinLnBrk="0" hangingPunct="1">
+      <a:defRPr sz="1800" kern="1200">
+        <a:solidFill>
+          <a:schemeClr val="tx1"/>
+        </a:solidFill>
+        <a:latin typeface="+mn-lt"/>
+        <a:ea typeface="+mn-ea"/>
+        <a:cs typeface="+mn-cs"/>
+      </a:defRPr>
+    </a:lvl9pPr>
+  </p:defaultTextStyle>
 </p:presentation>
 </file>
 
 <file path=ppt/slideLayouts/slideLayout1.xml><?xml version="1.0" encoding="utf-8"?>
-<p:sldLayout xmlns:a="http://schemas.openxmlformats.org/drawingml/2006/main" xmlns:p="http://schemas.openxmlformats.org/presentationml/2006/main" xmlns:r="http://schemas.openxmlformats.org/officeDocument/2006/relationships" xmlns:p14="http://schemas.microsoft.com/office/powerpoint/2010/main" xmlns:p15="http://schemas.microsoft.com/office/powerpoint/2012/main" xmlns:mc="http://schemas.openxmlformats.org/markup-compatibility/2006" type="tx" preserve="1">
+<p:sldLayout xmlns:a="http://schemas.openxmlformats.org/drawingml/2006/main" xmlns:r="http://schemas.openxmlformats.org/officeDocument/2006/relationships" xmlns:p="http://schemas.openxmlformats.org/presentationml/2006/main" type="tx" preserve="1">
   <p:cSld name="Default">
     <p:spTree>
       <p:nvGrpSpPr>
@@ -60,14 +155,15 @@
           </a:ln>
         </p:spPr>
         <p:txBody>
-          <a:bodyPr lIns="0" rIns="0" tIns="0" bIns="0" anchor="ctr">
+          <a:bodyPr lIns="0" tIns="0" rIns="0" bIns="0" anchor="ctr">
             <a:noAutofit/>
           </a:bodyPr>
+          <a:lstStyle/>
           <a:p>
             <a:pPr indent="0" algn="ctr">
               <a:buNone/>
             </a:pPr>
-            <a:endParaRPr b="0" lang="ru-RU" sz="4400" spc="-1" strike="noStrike">
+            <a:endParaRPr lang="ru-RU" sz="4400" b="0" strike="noStrike" spc="-1">
               <a:solidFill>
                 <a:srgbClr val="000000"/>
               </a:solidFill>
@@ -100,9 +196,10 @@
           </a:ln>
         </p:spPr>
         <p:txBody>
-          <a:bodyPr lIns="0" rIns="0" tIns="0" bIns="0" anchor="t">
+          <a:bodyPr lIns="0" tIns="0" rIns="0" bIns="0" anchor="t">
             <a:normAutofit/>
           </a:bodyPr>
+          <a:lstStyle/>
           <a:p>
             <a:pPr indent="0">
               <a:spcBef>
@@ -110,7 +207,7 @@
               </a:spcBef>
               <a:buNone/>
             </a:pPr>
-            <a:endParaRPr b="0" lang="ru-RU" sz="3200" spc="-1" strike="noStrike">
+            <a:endParaRPr lang="ru-RU" sz="3200" b="0" strike="noStrike" spc="-1">
               <a:solidFill>
                 <a:srgbClr val="000000"/>
               </a:solidFill>
@@ -132,6 +229,7 @@
         <p:spPr/>
         <p:txBody>
           <a:bodyPr/>
+          <a:lstStyle/>
           <a:p>
             <a:r>
               <a:t>Footer</a:t>
@@ -141,7 +239,7 @@
       </p:sp>
       <p:sp>
         <p:nvSpPr>
-          <p:cNvPr id="5" name="PlaceHolder 4"/>
+          <p:cNvPr id="2" name="PlaceHolder 4"/>
           <p:cNvSpPr>
             <a:spLocks noGrp="1"/>
           </p:cNvSpPr>
@@ -152,16 +250,18 @@
         <p:spPr/>
         <p:txBody>
           <a:bodyPr/>
+          <a:lstStyle/>
           <a:p>
             <a:fld id="{B99598B1-D93E-472E-925B-F264C71B913D}" type="slidenum">
-              <a:t>&lt;#&gt;</a:t>
+              <a:t>‹#›</a:t>
             </a:fld>
+            <a:endParaRPr/>
           </a:p>
         </p:txBody>
       </p:sp>
       <p:sp>
         <p:nvSpPr>
-          <p:cNvPr id="6" name="PlaceHolder 5"/>
+          <p:cNvPr id="3" name="PlaceHolder 5"/>
           <p:cNvSpPr>
             <a:spLocks noGrp="1"/>
           </p:cNvSpPr>
@@ -172,21 +272,22 @@
         <p:spPr/>
         <p:txBody>
           <a:bodyPr/>
-          <a:p>
-            <a:r>
-              <a:rPr lang="ru-RU"/>
-              <a:t/>
-            </a:r>
+          <a:lstStyle/>
+          <a:p>
+            <a:endParaRPr/>
           </a:p>
         </p:txBody>
       </p:sp>
     </p:spTree>
   </p:cSld>
+  <p:clrMapOvr>
+    <a:masterClrMapping/>
+  </p:clrMapOvr>
 </p:sldLayout>
 </file>
 
 <file path=ppt/slideLayouts/slideLayout2.xml><?xml version="1.0" encoding="utf-8"?>
-<p:sldLayout xmlns:a="http://schemas.openxmlformats.org/drawingml/2006/main" xmlns:p="http://schemas.openxmlformats.org/presentationml/2006/main" xmlns:r="http://schemas.openxmlformats.org/officeDocument/2006/relationships" xmlns:p14="http://schemas.microsoft.com/office/powerpoint/2010/main" xmlns:p15="http://schemas.microsoft.com/office/powerpoint/2012/main" xmlns:mc="http://schemas.openxmlformats.org/markup-compatibility/2006" type="title" preserve="1">
+<p:sldLayout xmlns:a="http://schemas.openxmlformats.org/drawingml/2006/main" xmlns:r="http://schemas.openxmlformats.org/officeDocument/2006/relationships" xmlns:p="http://schemas.openxmlformats.org/presentationml/2006/main" type="title" preserve="1">
   <p:cSld name="Обычный">
     <p:spTree>
       <p:nvGrpSpPr>
@@ -226,14 +327,15 @@
           </a:ln>
         </p:spPr>
         <p:txBody>
-          <a:bodyPr lIns="0" rIns="0" tIns="0" bIns="0" anchor="ctr">
+          <a:bodyPr lIns="0" tIns="0" rIns="0" bIns="0" anchor="ctr">
             <a:noAutofit/>
           </a:bodyPr>
+          <a:lstStyle/>
           <a:p>
             <a:pPr indent="0" algn="ctr">
               <a:buNone/>
             </a:pPr>
-            <a:endParaRPr b="0" lang="ru-RU" sz="4400" spc="-1" strike="noStrike">
+            <a:endParaRPr lang="ru-RU" sz="4400" b="0" strike="noStrike" spc="-1">
               <a:solidFill>
                 <a:srgbClr val="000000"/>
               </a:solidFill>
@@ -266,14 +368,15 @@
           </a:ln>
         </p:spPr>
         <p:txBody>
-          <a:bodyPr lIns="0" rIns="0" tIns="0" bIns="0" anchor="ctr">
+          <a:bodyPr lIns="0" tIns="0" rIns="0" bIns="0" anchor="ctr">
             <a:noAutofit/>
           </a:bodyPr>
+          <a:lstStyle/>
           <a:p>
             <a:pPr indent="0" algn="ctr">
               <a:buNone/>
             </a:pPr>
-            <a:endParaRPr b="0" lang="ru-RU" sz="3200" spc="-1" strike="noStrike">
+            <a:endParaRPr lang="ru-RU" sz="3200" b="0" strike="noStrike" spc="-1">
               <a:solidFill>
                 <a:srgbClr val="000000"/>
               </a:solidFill>
@@ -295,6 +398,7 @@
         <p:spPr/>
         <p:txBody>
           <a:bodyPr/>
+          <a:lstStyle/>
           <a:p>
             <a:r>
               <a:t>Footer</a:t>
@@ -315,10 +419,12 @@
         <p:spPr/>
         <p:txBody>
           <a:bodyPr/>
+          <a:lstStyle/>
           <a:p>
             <a:fld id="{8573B789-4707-4FDD-B745-5F43D3D91982}" type="slidenum">
-              <a:t>&lt;#&gt;</a:t>
+              <a:t>‹#›</a:t>
             </a:fld>
+            <a:endParaRPr/>
           </a:p>
         </p:txBody>
       </p:sp>
@@ -335,22 +441,28 @@
         <p:spPr/>
         <p:txBody>
           <a:bodyPr/>
-          <a:p>
-            <a:r>
-              <a:rPr lang="ru-RU"/>
-              <a:t/>
-            </a:r>
+          <a:lstStyle/>
+          <a:p>
+            <a:endParaRPr/>
           </a:p>
         </p:txBody>
       </p:sp>
     </p:spTree>
   </p:cSld>
+  <p:clrMapOvr>
+    <a:masterClrMapping/>
+  </p:clrMapOvr>
 </p:sldLayout>
 </file>
 
 <file path=ppt/slideMasters/slideMaster1.xml><?xml version="1.0" encoding="utf-8"?>
-<p:sldMaster xmlns:a="http://schemas.openxmlformats.org/drawingml/2006/main" xmlns:p="http://schemas.openxmlformats.org/presentationml/2006/main" xmlns:r="http://schemas.openxmlformats.org/officeDocument/2006/relationships" xmlns:p14="http://schemas.microsoft.com/office/powerpoint/2010/main" xmlns:p15="http://schemas.microsoft.com/office/powerpoint/2012/main" xmlns:mc="http://schemas.openxmlformats.org/markup-compatibility/2006">
+<p:sldMaster xmlns:a="http://schemas.openxmlformats.org/drawingml/2006/main" xmlns:r="http://schemas.openxmlformats.org/officeDocument/2006/relationships" xmlns:p="http://schemas.openxmlformats.org/presentationml/2006/main">
   <p:cSld>
+    <p:bg>
+      <p:bgRef idx="1001">
+        <a:schemeClr val="bg1"/>
+      </p:bgRef>
+    </p:bg>
     <p:spTree>
       <p:nvGrpSpPr>
         <p:cNvPr id="1" name=""/>
@@ -367,7 +479,7 @@
       </p:grpSpPr>
       <p:sp>
         <p:nvSpPr>
-          <p:cNvPr id="0" name="PlaceHolder 1"/>
+          <p:cNvPr id="5" name="PlaceHolder 1"/>
           <p:cNvSpPr>
             <a:spLocks noGrp="1"/>
           </p:cNvSpPr>
@@ -389,15 +501,16 @@
           </a:ln>
         </p:spPr>
         <p:txBody>
-          <a:bodyPr lIns="0" rIns="0" tIns="0" bIns="0" anchor="ctr">
+          <a:bodyPr lIns="0" tIns="0" rIns="0" bIns="0" anchor="ctr">
             <a:noAutofit/>
           </a:bodyPr>
+          <a:lstStyle/>
           <a:p>
             <a:pPr indent="0">
               <a:buNone/>
             </a:pPr>
             <a:r>
-              <a:rPr b="0" lang="ru-RU" sz="1800" spc="-1" strike="noStrike">
+              <a:rPr lang="ru-RU" sz="1800" b="0" strike="noStrike" spc="-1">
                 <a:solidFill>
                   <a:srgbClr val="000000"/>
                 </a:solidFill>
@@ -405,18 +518,12 @@
               </a:rPr>
               <a:t>Для правки текста заглавия щёлкните мышью</a:t>
             </a:r>
-            <a:endParaRPr b="0" lang="ru-RU" sz="1800" spc="-1" strike="noStrike">
-              <a:solidFill>
-                <a:srgbClr val="000000"/>
-              </a:solidFill>
-              <a:latin typeface="DejaVu Sans"/>
-            </a:endParaRPr>
           </a:p>
         </p:txBody>
       </p:sp>
       <p:sp>
         <p:nvSpPr>
-          <p:cNvPr id="1" name="PlaceHolder 2"/>
+          <p:cNvPr id="6" name="PlaceHolder 2"/>
           <p:cNvSpPr>
             <a:spLocks noGrp="1"/>
           </p:cNvSpPr>
@@ -438,9 +545,10 @@
           </a:ln>
         </p:spPr>
         <p:txBody>
-          <a:bodyPr lIns="0" rIns="0" tIns="0" bIns="0" anchor="t">
+          <a:bodyPr lIns="0" tIns="0" rIns="0" bIns="0" anchor="t">
             <a:normAutofit/>
           </a:bodyPr>
+          <a:lstStyle/>
           <a:p>
             <a:pPr marL="432000" indent="-324000">
               <a:spcBef>
@@ -454,7 +562,7 @@
               <a:buChar char=""/>
             </a:pPr>
             <a:r>
-              <a:rPr b="0" lang="ru-RU" sz="1800" spc="-1" strike="noStrike">
+              <a:rPr lang="ru-RU" sz="1800" b="0" strike="noStrike" spc="-1">
                 <a:solidFill>
                   <a:srgbClr val="000000"/>
                 </a:solidFill>
@@ -462,15 +570,9 @@
               </a:rPr>
               <a:t>Для правки структуры щёлкните мышью</a:t>
             </a:r>
-            <a:endParaRPr b="0" lang="ru-RU" sz="1800" spc="-1" strike="noStrike">
-              <a:solidFill>
-                <a:srgbClr val="000000"/>
-              </a:solidFill>
-              <a:latin typeface="DejaVu Sans"/>
-            </a:endParaRPr>
-          </a:p>
-          <a:p>
-            <a:pPr lvl="1" marL="864000" indent="-324000">
+          </a:p>
+          <a:p>
+            <a:pPr marL="864000" lvl="1" indent="-324000">
               <a:spcBef>
                 <a:spcPts val="1134"/>
               </a:spcBef>
@@ -482,7 +584,7 @@
               <a:buChar char=""/>
             </a:pPr>
             <a:r>
-              <a:rPr b="0" lang="ru-RU" sz="1800" spc="-1" strike="noStrike">
+              <a:rPr lang="ru-RU" sz="1800" b="0" strike="noStrike" spc="-1">
                 <a:solidFill>
                   <a:srgbClr val="000000"/>
                 </a:solidFill>
@@ -490,15 +592,9 @@
               </a:rPr>
               <a:t>Второй уровень структуры</a:t>
             </a:r>
-            <a:endParaRPr b="0" lang="ru-RU" sz="1800" spc="-1" strike="noStrike">
-              <a:solidFill>
-                <a:srgbClr val="000000"/>
-              </a:solidFill>
-              <a:latin typeface="DejaVu Sans"/>
-            </a:endParaRPr>
-          </a:p>
-          <a:p>
-            <a:pPr lvl="2" marL="1296000" indent="-288000">
+          </a:p>
+          <a:p>
+            <a:pPr marL="1296000" lvl="2" indent="-288000">
               <a:spcBef>
                 <a:spcPts val="850"/>
               </a:spcBef>
@@ -510,7 +606,7 @@
               <a:buChar char=""/>
             </a:pPr>
             <a:r>
-              <a:rPr b="0" lang="ru-RU" sz="1800" spc="-1" strike="noStrike">
+              <a:rPr lang="ru-RU" sz="1800" b="0" strike="noStrike" spc="-1">
                 <a:solidFill>
                   <a:srgbClr val="000000"/>
                 </a:solidFill>
@@ -518,15 +614,9 @@
               </a:rPr>
               <a:t>Третий уровень структуры</a:t>
             </a:r>
-            <a:endParaRPr b="0" lang="ru-RU" sz="1800" spc="-1" strike="noStrike">
-              <a:solidFill>
-                <a:srgbClr val="000000"/>
-              </a:solidFill>
-              <a:latin typeface="DejaVu Sans"/>
-            </a:endParaRPr>
-          </a:p>
-          <a:p>
-            <a:pPr lvl="3" marL="1728000" indent="-216000">
+          </a:p>
+          <a:p>
+            <a:pPr marL="1728000" lvl="3" indent="-216000">
               <a:spcBef>
                 <a:spcPts val="567"/>
               </a:spcBef>
@@ -538,7 +628,7 @@
               <a:buChar char=""/>
             </a:pPr>
             <a:r>
-              <a:rPr b="0" lang="ru-RU" sz="1800" spc="-1" strike="noStrike">
+              <a:rPr lang="ru-RU" sz="1800" b="0" strike="noStrike" spc="-1">
                 <a:solidFill>
                   <a:srgbClr val="000000"/>
                 </a:solidFill>
@@ -546,15 +636,9 @@
               </a:rPr>
               <a:t>Четвёртый уровень структуры</a:t>
             </a:r>
-            <a:endParaRPr b="0" lang="ru-RU" sz="1800" spc="-1" strike="noStrike">
-              <a:solidFill>
-                <a:srgbClr val="000000"/>
-              </a:solidFill>
-              <a:latin typeface="DejaVu Sans"/>
-            </a:endParaRPr>
-          </a:p>
-          <a:p>
-            <a:pPr lvl="4" marL="2160000" indent="-216000">
+          </a:p>
+          <a:p>
+            <a:pPr marL="2160000" lvl="4" indent="-216000">
               <a:spcBef>
                 <a:spcPts val="283"/>
               </a:spcBef>
@@ -566,7 +650,7 @@
               <a:buChar char=""/>
             </a:pPr>
             <a:r>
-              <a:rPr b="0" lang="ru-RU" sz="1800" spc="-1" strike="noStrike">
+              <a:rPr lang="ru-RU" sz="1800" b="0" strike="noStrike" spc="-1">
                 <a:solidFill>
                   <a:srgbClr val="000000"/>
                 </a:solidFill>
@@ -574,15 +658,9 @@
               </a:rPr>
               <a:t>Пятый уровень структуры</a:t>
             </a:r>
-            <a:endParaRPr b="0" lang="ru-RU" sz="1800" spc="-1" strike="noStrike">
-              <a:solidFill>
-                <a:srgbClr val="000000"/>
-              </a:solidFill>
-              <a:latin typeface="DejaVu Sans"/>
-            </a:endParaRPr>
-          </a:p>
-          <a:p>
-            <a:pPr lvl="5" marL="2592000" indent="-216000">
+          </a:p>
+          <a:p>
+            <a:pPr marL="2592000" lvl="5" indent="-216000">
               <a:spcBef>
                 <a:spcPts val="283"/>
               </a:spcBef>
@@ -594,7 +672,7 @@
               <a:buChar char=""/>
             </a:pPr>
             <a:r>
-              <a:rPr b="0" lang="ru-RU" sz="1800" spc="-1" strike="noStrike">
+              <a:rPr lang="ru-RU" sz="1800" b="0" strike="noStrike" spc="-1">
                 <a:solidFill>
                   <a:srgbClr val="000000"/>
                 </a:solidFill>
@@ -602,15 +680,9 @@
               </a:rPr>
               <a:t>Шестой уровень структуры</a:t>
             </a:r>
-            <a:endParaRPr b="0" lang="ru-RU" sz="1800" spc="-1" strike="noStrike">
-              <a:solidFill>
-                <a:srgbClr val="000000"/>
-              </a:solidFill>
-              <a:latin typeface="DejaVu Sans"/>
-            </a:endParaRPr>
-          </a:p>
-          <a:p>
-            <a:pPr lvl="6" marL="3024000" indent="-216000">
+          </a:p>
+          <a:p>
+            <a:pPr marL="3024000" lvl="6" indent="-216000">
               <a:spcBef>
                 <a:spcPts val="283"/>
               </a:spcBef>
@@ -622,7 +694,7 @@
               <a:buChar char=""/>
             </a:pPr>
             <a:r>
-              <a:rPr b="0" lang="ru-RU" sz="1800" spc="-1" strike="noStrike">
+              <a:rPr lang="ru-RU" sz="1800" b="0" strike="noStrike" spc="-1">
                 <a:solidFill>
                   <a:srgbClr val="000000"/>
                 </a:solidFill>
@@ -630,12 +702,6 @@
               </a:rPr>
               <a:t>Седьмой уровень структуры</a:t>
             </a:r>
-            <a:endParaRPr b="0" lang="ru-RU" sz="1800" spc="-1" strike="noStrike">
-              <a:solidFill>
-                <a:srgbClr val="000000"/>
-              </a:solidFill>
-              <a:latin typeface="DejaVu Sans"/>
-            </a:endParaRPr>
           </a:p>
         </p:txBody>
       </p:sp>
@@ -663,7 +729,7 @@
           </a:ln>
         </p:spPr>
         <p:txBody>
-          <a:bodyPr lIns="0" rIns="0" tIns="0" bIns="0" anchor="t">
+          <a:bodyPr lIns="0" tIns="0" rIns="0" bIns="0" anchor="t">
             <a:noAutofit/>
           </a:bodyPr>
           <a:lstStyle>
@@ -673,9 +739,9 @@
               </a:lnSpc>
               <a:buNone/>
               <a:tabLst>
-                <a:tab algn="l" pos="0"/>
+                <a:tab pos="0" algn="l"/>
               </a:tabLst>
-              <a:defRPr b="0" lang="ru-RU" sz="1400" spc="-1" strike="noStrike">
+              <a:defRPr lang="ru-RU" sz="1400" b="0" strike="noStrike" spc="-1">
                 <a:solidFill>
                   <a:srgbClr val="000000"/>
                 </a:solidFill>
@@ -690,11 +756,11 @@
               </a:lnSpc>
               <a:buNone/>
               <a:tabLst>
-                <a:tab algn="l" pos="0"/>
+                <a:tab pos="0" algn="l"/>
               </a:tabLst>
             </a:pPr>
             <a:r>
-              <a:rPr b="0" lang="ru-RU" sz="1400" spc="-1" strike="noStrike">
+              <a:rPr lang="ru-RU" sz="1400" b="0" strike="noStrike" spc="-1">
                 <a:solidFill>
                   <a:srgbClr val="000000"/>
                 </a:solidFill>
@@ -702,7 +768,7 @@
               </a:rPr>
               <a:t>&lt;нижний колонтитул&gt;</a:t>
             </a:r>
-            <a:endParaRPr b="0" lang="ru-RU" sz="1400" spc="-1" strike="noStrike">
+            <a:endParaRPr lang="ru-RU" sz="1400" b="0" strike="noStrike" spc="-1">
               <a:solidFill>
                 <a:srgbClr val="000000"/>
               </a:solidFill>
@@ -735,7 +801,7 @@
           </a:ln>
         </p:spPr>
         <p:txBody>
-          <a:bodyPr lIns="0" rIns="0" tIns="0" bIns="0" anchor="t">
+          <a:bodyPr lIns="0" tIns="0" rIns="0" bIns="0" anchor="t">
             <a:noAutofit/>
           </a:bodyPr>
           <a:lstStyle>
@@ -745,9 +811,9 @@
               </a:lnSpc>
               <a:buNone/>
               <a:tabLst>
-                <a:tab algn="l" pos="0"/>
+                <a:tab pos="0" algn="l"/>
               </a:tabLst>
-              <a:defRPr b="0" lang="ru-RU" sz="1400" spc="-1" strike="noStrike">
+              <a:defRPr lang="ru-RU" sz="1400" b="0" strike="noStrike" spc="-1">
                 <a:solidFill>
                   <a:srgbClr val="000000"/>
                 </a:solidFill>
@@ -762,19 +828,19 @@
               </a:lnSpc>
               <a:buNone/>
               <a:tabLst>
-                <a:tab algn="l" pos="0"/>
+                <a:tab pos="0" algn="l"/>
               </a:tabLst>
             </a:pPr>
             <a:fld id="{CC4E57B0-A713-4AE9-A28B-C677D148C7C8}" type="slidenum">
-              <a:rPr b="0" lang="ru-RU" sz="1400" spc="-1" strike="noStrike">
+              <a:rPr lang="ru-RU" sz="1400" b="0" strike="noStrike" spc="-1">
                 <a:solidFill>
                   <a:srgbClr val="000000"/>
                 </a:solidFill>
                 <a:latin typeface="DejaVu Serif"/>
               </a:rPr>
-              <a:t>&lt;номер&gt;</a:t>
+              <a:t>‹#›</a:t>
             </a:fld>
-            <a:endParaRPr b="0" lang="ru-RU" sz="1400" spc="-1" strike="noStrike">
+            <a:endParaRPr lang="ru-RU" sz="1400" b="0" strike="noStrike" spc="-1">
               <a:solidFill>
                 <a:srgbClr val="000000"/>
               </a:solidFill>
@@ -807,13 +873,13 @@
           </a:ln>
         </p:spPr>
         <p:txBody>
-          <a:bodyPr lIns="0" rIns="0" tIns="0" bIns="0" anchor="t">
+          <a:bodyPr lIns="0" tIns="0" rIns="0" bIns="0" anchor="t">
             <a:noAutofit/>
           </a:bodyPr>
           <a:lstStyle>
             <a:lvl1pPr indent="0">
               <a:buNone/>
-              <a:defRPr b="0" lang="ru-RU" sz="1400" spc="-1" strike="noStrike">
+              <a:defRPr lang="ru-RU" sz="1400" b="0" strike="noStrike" spc="-1">
                 <a:solidFill>
                   <a:srgbClr val="000000"/>
                 </a:solidFill>
@@ -826,7 +892,7 @@
               <a:buNone/>
             </a:pPr>
             <a:r>
-              <a:rPr b="0" lang="ru-RU" sz="1400" spc="-1" strike="noStrike">
+              <a:rPr lang="ru-RU" sz="1400" b="0" strike="noStrike" spc="-1">
                 <a:solidFill>
                   <a:srgbClr val="000000"/>
                 </a:solidFill>
@@ -834,27 +900,306 @@
               </a:rPr>
               <a:t>&lt;дата/время&gt;</a:t>
             </a:r>
-            <a:endParaRPr b="0" lang="ru-RU" sz="1400" spc="-1" strike="noStrike">
-              <a:solidFill>
-                <a:srgbClr val="000000"/>
-              </a:solidFill>
-              <a:latin typeface="Times New Roman"/>
-            </a:endParaRPr>
           </a:p>
         </p:txBody>
       </p:sp>
     </p:spTree>
   </p:cSld>
-  <p:clrMap bg1="lt1" bg2="lt2" tx1="dk1" tx2="dk2" accent1="accent1" accent2="accent2" accent3="accent3" accent4="accent4" accent5="accent5" accent6="accent6" hlink="hlink" folHlink="folHlink"/>
+  <p:clrMap bg1="lt1" tx1="dk1" bg2="lt2" tx2="dk2" accent1="accent1" accent2="accent2" accent3="accent3" accent4="accent4" accent5="accent5" accent6="accent6" hlink="hlink" folHlink="folHlink"/>
   <p:sldLayoutIdLst>
-    <p:sldLayoutId id="2147483649" r:id="rId2"/>
+    <p:sldLayoutId id="2147483649" r:id="rId1"/>
   </p:sldLayoutIdLst>
+  <p:txStyles>
+    <p:titleStyle>
+      <a:lvl1pPr algn="l" defTabSz="914400" rtl="0" eaLnBrk="1" latinLnBrk="0" hangingPunct="1">
+        <a:lnSpc>
+          <a:spcPct val="90000"/>
+        </a:lnSpc>
+        <a:spcBef>
+          <a:spcPct val="0"/>
+        </a:spcBef>
+        <a:buNone/>
+        <a:defRPr sz="4400" kern="1200">
+          <a:solidFill>
+            <a:schemeClr val="tx1"/>
+          </a:solidFill>
+          <a:latin typeface="+mj-lt"/>
+          <a:ea typeface="+mj-ea"/>
+          <a:cs typeface="+mj-cs"/>
+        </a:defRPr>
+      </a:lvl1pPr>
+    </p:titleStyle>
+    <p:bodyStyle>
+      <a:lvl1pPr marL="228600" indent="-228600" algn="l" defTabSz="914400" rtl="0" eaLnBrk="1" latinLnBrk="0" hangingPunct="1">
+        <a:lnSpc>
+          <a:spcPct val="90000"/>
+        </a:lnSpc>
+        <a:spcBef>
+          <a:spcPts val="1000"/>
+        </a:spcBef>
+        <a:buFont typeface="Arial" panose="020B0604020202020204" pitchFamily="34" charset="0"/>
+        <a:buChar char="•"/>
+        <a:defRPr sz="2800" kern="1200">
+          <a:solidFill>
+            <a:schemeClr val="tx1"/>
+          </a:solidFill>
+          <a:latin typeface="+mn-lt"/>
+          <a:ea typeface="+mn-ea"/>
+          <a:cs typeface="+mn-cs"/>
+        </a:defRPr>
+      </a:lvl1pPr>
+      <a:lvl2pPr marL="685800" indent="-228600" algn="l" defTabSz="914400" rtl="0" eaLnBrk="1" latinLnBrk="0" hangingPunct="1">
+        <a:lnSpc>
+          <a:spcPct val="90000"/>
+        </a:lnSpc>
+        <a:spcBef>
+          <a:spcPts val="500"/>
+        </a:spcBef>
+        <a:buFont typeface="Arial" panose="020B0604020202020204" pitchFamily="34" charset="0"/>
+        <a:buChar char="•"/>
+        <a:defRPr sz="2400" kern="1200">
+          <a:solidFill>
+            <a:schemeClr val="tx1"/>
+          </a:solidFill>
+          <a:latin typeface="+mn-lt"/>
+          <a:ea typeface="+mn-ea"/>
+          <a:cs typeface="+mn-cs"/>
+        </a:defRPr>
+      </a:lvl2pPr>
+      <a:lvl3pPr marL="1143000" indent="-228600" algn="l" defTabSz="914400" rtl="0" eaLnBrk="1" latinLnBrk="0" hangingPunct="1">
+        <a:lnSpc>
+          <a:spcPct val="90000"/>
+        </a:lnSpc>
+        <a:spcBef>
+          <a:spcPts val="500"/>
+        </a:spcBef>
+        <a:buFont typeface="Arial" panose="020B0604020202020204" pitchFamily="34" charset="0"/>
+        <a:buChar char="•"/>
+        <a:defRPr sz="2000" kern="1200">
+          <a:solidFill>
+            <a:schemeClr val="tx1"/>
+          </a:solidFill>
+          <a:latin typeface="+mn-lt"/>
+          <a:ea typeface="+mn-ea"/>
+          <a:cs typeface="+mn-cs"/>
+        </a:defRPr>
+      </a:lvl3pPr>
+      <a:lvl4pPr marL="1600200" indent="-228600" algn="l" defTabSz="914400" rtl="0" eaLnBrk="1" latinLnBrk="0" hangingPunct="1">
+        <a:lnSpc>
+          <a:spcPct val="90000"/>
+        </a:lnSpc>
+        <a:spcBef>
+          <a:spcPts val="500"/>
+        </a:spcBef>
+        <a:buFont typeface="Arial" panose="020B0604020202020204" pitchFamily="34" charset="0"/>
+        <a:buChar char="•"/>
+        <a:defRPr sz="1800" kern="1200">
+          <a:solidFill>
+            <a:schemeClr val="tx1"/>
+          </a:solidFill>
+          <a:latin typeface="+mn-lt"/>
+          <a:ea typeface="+mn-ea"/>
+          <a:cs typeface="+mn-cs"/>
+        </a:defRPr>
+      </a:lvl4pPr>
+      <a:lvl5pPr marL="2057400" indent="-228600" algn="l" defTabSz="914400" rtl="0" eaLnBrk="1" latinLnBrk="0" hangingPunct="1">
+        <a:lnSpc>
+          <a:spcPct val="90000"/>
+        </a:lnSpc>
+        <a:spcBef>
+          <a:spcPts val="500"/>
+        </a:spcBef>
+        <a:buFont typeface="Arial" panose="020B0604020202020204" pitchFamily="34" charset="0"/>
+        <a:buChar char="•"/>
+        <a:defRPr sz="1800" kern="1200">
+          <a:solidFill>
+            <a:schemeClr val="tx1"/>
+          </a:solidFill>
+          <a:latin typeface="+mn-lt"/>
+          <a:ea typeface="+mn-ea"/>
+          <a:cs typeface="+mn-cs"/>
+        </a:defRPr>
+      </a:lvl5pPr>
+      <a:lvl6pPr marL="2514600" indent="-228600" algn="l" defTabSz="914400" rtl="0" eaLnBrk="1" latinLnBrk="0" hangingPunct="1">
+        <a:lnSpc>
+          <a:spcPct val="90000"/>
+        </a:lnSpc>
+        <a:spcBef>
+          <a:spcPts val="500"/>
+        </a:spcBef>
+        <a:buFont typeface="Arial" panose="020B0604020202020204" pitchFamily="34" charset="0"/>
+        <a:buChar char="•"/>
+        <a:defRPr sz="1800" kern="1200">
+          <a:solidFill>
+            <a:schemeClr val="tx1"/>
+          </a:solidFill>
+          <a:latin typeface="+mn-lt"/>
+          <a:ea typeface="+mn-ea"/>
+          <a:cs typeface="+mn-cs"/>
+        </a:defRPr>
+      </a:lvl6pPr>
+      <a:lvl7pPr marL="2971800" indent="-228600" algn="l" defTabSz="914400" rtl="0" eaLnBrk="1" latinLnBrk="0" hangingPunct="1">
+        <a:lnSpc>
+          <a:spcPct val="90000"/>
+        </a:lnSpc>
+        <a:spcBef>
+          <a:spcPts val="500"/>
+        </a:spcBef>
+        <a:buFont typeface="Arial" panose="020B0604020202020204" pitchFamily="34" charset="0"/>
+        <a:buChar char="•"/>
+        <a:defRPr sz="1800" kern="1200">
+          <a:solidFill>
+            <a:schemeClr val="tx1"/>
+          </a:solidFill>
+          <a:latin typeface="+mn-lt"/>
+          <a:ea typeface="+mn-ea"/>
+          <a:cs typeface="+mn-cs"/>
+        </a:defRPr>
+      </a:lvl7pPr>
+      <a:lvl8pPr marL="3429000" indent="-228600" algn="l" defTabSz="914400" rtl="0" eaLnBrk="1" latinLnBrk="0" hangingPunct="1">
+        <a:lnSpc>
+          <a:spcPct val="90000"/>
+        </a:lnSpc>
+        <a:spcBef>
+          <a:spcPts val="500"/>
+        </a:spcBef>
+        <a:buFont typeface="Arial" panose="020B0604020202020204" pitchFamily="34" charset="0"/>
+        <a:buChar char="•"/>
+        <a:defRPr sz="1800" kern="1200">
+          <a:solidFill>
+            <a:schemeClr val="tx1"/>
+          </a:solidFill>
+          <a:latin typeface="+mn-lt"/>
+          <a:ea typeface="+mn-ea"/>
+          <a:cs typeface="+mn-cs"/>
+        </a:defRPr>
+      </a:lvl8pPr>
+      <a:lvl9pPr marL="3886200" indent="-228600" algn="l" defTabSz="914400" rtl="0" eaLnBrk="1" latinLnBrk="0" hangingPunct="1">
+        <a:lnSpc>
+          <a:spcPct val="90000"/>
+        </a:lnSpc>
+        <a:spcBef>
+          <a:spcPts val="500"/>
+        </a:spcBef>
+        <a:buFont typeface="Arial" panose="020B0604020202020204" pitchFamily="34" charset="0"/>
+        <a:buChar char="•"/>
+        <a:defRPr sz="1800" kern="1200">
+          <a:solidFill>
+            <a:schemeClr val="tx1"/>
+          </a:solidFill>
+          <a:latin typeface="+mn-lt"/>
+          <a:ea typeface="+mn-ea"/>
+          <a:cs typeface="+mn-cs"/>
+        </a:defRPr>
+      </a:lvl9pPr>
+    </p:bodyStyle>
+    <p:otherStyle>
+      <a:defPPr>
+        <a:defRPr lang="en-US"/>
+      </a:defPPr>
+      <a:lvl1pPr marL="0" algn="l" defTabSz="914400" rtl="0" eaLnBrk="1" latinLnBrk="0" hangingPunct="1">
+        <a:defRPr sz="1800" kern="1200">
+          <a:solidFill>
+            <a:schemeClr val="tx1"/>
+          </a:solidFill>
+          <a:latin typeface="+mn-lt"/>
+          <a:ea typeface="+mn-ea"/>
+          <a:cs typeface="+mn-cs"/>
+        </a:defRPr>
+      </a:lvl1pPr>
+      <a:lvl2pPr marL="457200" algn="l" defTabSz="914400" rtl="0" eaLnBrk="1" latinLnBrk="0" hangingPunct="1">
+        <a:defRPr sz="1800" kern="1200">
+          <a:solidFill>
+            <a:schemeClr val="tx1"/>
+          </a:solidFill>
+          <a:latin typeface="+mn-lt"/>
+          <a:ea typeface="+mn-ea"/>
+          <a:cs typeface="+mn-cs"/>
+        </a:defRPr>
+      </a:lvl2pPr>
+      <a:lvl3pPr marL="914400" algn="l" defTabSz="914400" rtl="0" eaLnBrk="1" latinLnBrk="0" hangingPunct="1">
+        <a:defRPr sz="1800" kern="1200">
+          <a:solidFill>
+            <a:schemeClr val="tx1"/>
+          </a:solidFill>
+          <a:latin typeface="+mn-lt"/>
+          <a:ea typeface="+mn-ea"/>
+          <a:cs typeface="+mn-cs"/>
+        </a:defRPr>
+      </a:lvl3pPr>
+      <a:lvl4pPr marL="1371600" algn="l" defTabSz="914400" rtl="0" eaLnBrk="1" latinLnBrk="0" hangingPunct="1">
+        <a:defRPr sz="1800" kern="1200">
+          <a:solidFill>
+            <a:schemeClr val="tx1"/>
+          </a:solidFill>
+          <a:latin typeface="+mn-lt"/>
+          <a:ea typeface="+mn-ea"/>
+          <a:cs typeface="+mn-cs"/>
+        </a:defRPr>
+      </a:lvl4pPr>
+      <a:lvl5pPr marL="1828800" algn="l" defTabSz="914400" rtl="0" eaLnBrk="1" latinLnBrk="0" hangingPunct="1">
+        <a:defRPr sz="1800" kern="1200">
+          <a:solidFill>
+            <a:schemeClr val="tx1"/>
+          </a:solidFill>
+          <a:latin typeface="+mn-lt"/>
+          <a:ea typeface="+mn-ea"/>
+          <a:cs typeface="+mn-cs"/>
+        </a:defRPr>
+      </a:lvl5pPr>
+      <a:lvl6pPr marL="2286000" algn="l" defTabSz="914400" rtl="0" eaLnBrk="1" latinLnBrk="0" hangingPunct="1">
+        <a:defRPr sz="1800" kern="1200">
+          <a:solidFill>
+            <a:schemeClr val="tx1"/>
+          </a:solidFill>
+          <a:latin typeface="+mn-lt"/>
+          <a:ea typeface="+mn-ea"/>
+          <a:cs typeface="+mn-cs"/>
+        </a:defRPr>
+      </a:lvl6pPr>
+      <a:lvl7pPr marL="2743200" algn="l" defTabSz="914400" rtl="0" eaLnBrk="1" latinLnBrk="0" hangingPunct="1">
+        <a:defRPr sz="1800" kern="1200">
+          <a:solidFill>
+            <a:schemeClr val="tx1"/>
+          </a:solidFill>
+          <a:latin typeface="+mn-lt"/>
+          <a:ea typeface="+mn-ea"/>
+          <a:cs typeface="+mn-cs"/>
+        </a:defRPr>
+      </a:lvl7pPr>
+      <a:lvl8pPr marL="3200400" algn="l" defTabSz="914400" rtl="0" eaLnBrk="1" latinLnBrk="0" hangingPunct="1">
+        <a:defRPr sz="1800" kern="1200">
+          <a:solidFill>
+            <a:schemeClr val="tx1"/>
+          </a:solidFill>
+          <a:latin typeface="+mn-lt"/>
+          <a:ea typeface="+mn-ea"/>
+          <a:cs typeface="+mn-cs"/>
+        </a:defRPr>
+      </a:lvl8pPr>
+      <a:lvl9pPr marL="3657600" algn="l" defTabSz="914400" rtl="0" eaLnBrk="1" latinLnBrk="0" hangingPunct="1">
+        <a:defRPr sz="1800" kern="1200">
+          <a:solidFill>
+            <a:schemeClr val="tx1"/>
+          </a:solidFill>
+          <a:latin typeface="+mn-lt"/>
+          <a:ea typeface="+mn-ea"/>
+          <a:cs typeface="+mn-cs"/>
+        </a:defRPr>
+      </a:lvl9pPr>
+    </p:otherStyle>
+  </p:txStyles>
 </p:sldMaster>
 </file>
 
 <file path=ppt/slideMasters/slideMaster2.xml><?xml version="1.0" encoding="utf-8"?>
-<p:sldMaster xmlns:a="http://schemas.openxmlformats.org/drawingml/2006/main" xmlns:p="http://schemas.openxmlformats.org/presentationml/2006/main" xmlns:r="http://schemas.openxmlformats.org/officeDocument/2006/relationships" xmlns:p14="http://schemas.microsoft.com/office/powerpoint/2010/main" xmlns:p15="http://schemas.microsoft.com/office/powerpoint/2012/main" xmlns:mc="http://schemas.openxmlformats.org/markup-compatibility/2006">
+<p:sldMaster xmlns:a="http://schemas.openxmlformats.org/drawingml/2006/main" xmlns:r="http://schemas.openxmlformats.org/officeDocument/2006/relationships" xmlns:p="http://schemas.openxmlformats.org/presentationml/2006/main">
   <p:cSld>
+    <p:bg>
+      <p:bgRef idx="1001">
+        <a:schemeClr val="bg1"/>
+      </p:bgRef>
+    </p:bg>
     <p:spTree>
       <p:nvGrpSpPr>
         <p:cNvPr id="1" name=""/>
@@ -893,15 +1238,16 @@
           </a:ln>
         </p:spPr>
         <p:txBody>
-          <a:bodyPr lIns="0" rIns="0" tIns="0" bIns="0" anchor="ctr">
+          <a:bodyPr lIns="0" tIns="0" rIns="0" bIns="0" anchor="ctr">
             <a:noAutofit/>
           </a:bodyPr>
+          <a:lstStyle/>
           <a:p>
             <a:pPr indent="0">
               <a:buNone/>
             </a:pPr>
             <a:r>
-              <a:rPr b="0" lang="ru-RU" sz="1800" spc="-1" strike="noStrike">
+              <a:rPr lang="ru-RU" sz="1800" b="0" strike="noStrike" spc="-1">
                 <a:solidFill>
                   <a:srgbClr val="000000"/>
                 </a:solidFill>
@@ -909,12 +1255,6 @@
               </a:rPr>
               <a:t>Для правки текста заглавия щёлкните мышью</a:t>
             </a:r>
-            <a:endParaRPr b="0" lang="ru-RU" sz="1800" spc="-1" strike="noStrike">
-              <a:solidFill>
-                <a:srgbClr val="000000"/>
-              </a:solidFill>
-              <a:latin typeface="DejaVu Sans"/>
-            </a:endParaRPr>
           </a:p>
         </p:txBody>
       </p:sp>
@@ -942,7 +1282,7 @@
           </a:ln>
         </p:spPr>
         <p:txBody>
-          <a:bodyPr lIns="0" rIns="0" tIns="0" bIns="0" anchor="t">
+          <a:bodyPr lIns="0" tIns="0" rIns="0" bIns="0" anchor="t">
             <a:noAutofit/>
           </a:bodyPr>
           <a:lstStyle>
@@ -952,9 +1292,9 @@
               </a:lnSpc>
               <a:buNone/>
               <a:tabLst>
-                <a:tab algn="l" pos="0"/>
+                <a:tab pos="0" algn="l"/>
               </a:tabLst>
-              <a:defRPr b="0" lang="ru-RU" sz="1400" spc="-1" strike="noStrike">
+              <a:defRPr lang="ru-RU" sz="1400" b="0" strike="noStrike" spc="-1">
                 <a:solidFill>
                   <a:srgbClr val="000000"/>
                 </a:solidFill>
@@ -969,11 +1309,11 @@
               </a:lnSpc>
               <a:buNone/>
               <a:tabLst>
-                <a:tab algn="l" pos="0"/>
+                <a:tab pos="0" algn="l"/>
               </a:tabLst>
             </a:pPr>
             <a:r>
-              <a:rPr b="0" lang="ru-RU" sz="1400" spc="-1" strike="noStrike">
+              <a:rPr lang="ru-RU" sz="1400" b="0" strike="noStrike" spc="-1">
                 <a:solidFill>
                   <a:srgbClr val="000000"/>
                 </a:solidFill>
@@ -981,7 +1321,7 @@
               </a:rPr>
               <a:t>&lt;нижний колонтитул&gt;</a:t>
             </a:r>
-            <a:endParaRPr b="0" lang="ru-RU" sz="1400" spc="-1" strike="noStrike">
+            <a:endParaRPr lang="ru-RU" sz="1400" b="0" strike="noStrike" spc="-1">
               <a:solidFill>
                 <a:srgbClr val="000000"/>
               </a:solidFill>
@@ -1014,7 +1354,7 @@
           </a:ln>
         </p:spPr>
         <p:txBody>
-          <a:bodyPr lIns="0" rIns="0" tIns="0" bIns="0" anchor="t">
+          <a:bodyPr lIns="0" tIns="0" rIns="0" bIns="0" anchor="t">
             <a:noAutofit/>
           </a:bodyPr>
           <a:lstStyle>
@@ -1024,9 +1364,9 @@
               </a:lnSpc>
               <a:buNone/>
               <a:tabLst>
-                <a:tab algn="l" pos="0"/>
+                <a:tab pos="0" algn="l"/>
               </a:tabLst>
-              <a:defRPr b="0" lang="ru-RU" sz="1400" spc="-1" strike="noStrike">
+              <a:defRPr lang="ru-RU" sz="1400" b="0" strike="noStrike" spc="-1">
                 <a:solidFill>
                   <a:srgbClr val="000000"/>
                 </a:solidFill>
@@ -1041,19 +1381,19 @@
               </a:lnSpc>
               <a:buNone/>
               <a:tabLst>
-                <a:tab algn="l" pos="0"/>
+                <a:tab pos="0" algn="l"/>
               </a:tabLst>
             </a:pPr>
             <a:fld id="{00BEE87D-27CD-4F04-949C-AE6F668A87E5}" type="slidenum">
-              <a:rPr b="0" lang="ru-RU" sz="1400" spc="-1" strike="noStrike">
+              <a:rPr lang="ru-RU" sz="1400" b="0" strike="noStrike" spc="-1">
                 <a:solidFill>
                   <a:srgbClr val="000000"/>
                 </a:solidFill>
                 <a:latin typeface="DejaVu Serif"/>
               </a:rPr>
-              <a:t>&lt;номер&gt;</a:t>
+              <a:t>‹#›</a:t>
             </a:fld>
-            <a:endParaRPr b="0" lang="ru-RU" sz="1400" spc="-1" strike="noStrike">
+            <a:endParaRPr lang="ru-RU" sz="1400" b="0" strike="noStrike" spc="-1">
               <a:solidFill>
                 <a:srgbClr val="000000"/>
               </a:solidFill>
@@ -1086,13 +1426,13 @@
           </a:ln>
         </p:spPr>
         <p:txBody>
-          <a:bodyPr lIns="0" rIns="0" tIns="0" bIns="0" anchor="t">
+          <a:bodyPr lIns="0" tIns="0" rIns="0" bIns="0" anchor="t">
             <a:noAutofit/>
           </a:bodyPr>
           <a:lstStyle>
             <a:lvl1pPr indent="0">
               <a:buNone/>
-              <a:defRPr b="0" lang="ru-RU" sz="1400" spc="-1" strike="noStrike">
+              <a:defRPr lang="ru-RU" sz="1400" b="0" strike="noStrike" spc="-1">
                 <a:solidFill>
                   <a:srgbClr val="000000"/>
                 </a:solidFill>
@@ -1105,7 +1445,7 @@
               <a:buNone/>
             </a:pPr>
             <a:r>
-              <a:rPr b="0" lang="ru-RU" sz="1400" spc="-1" strike="noStrike">
+              <a:rPr lang="ru-RU" sz="1400" b="0" strike="noStrike" spc="-1">
                 <a:solidFill>
                   <a:srgbClr val="000000"/>
                 </a:solidFill>
@@ -1113,12 +1453,6 @@
               </a:rPr>
               <a:t>&lt;дата/время&gt;</a:t>
             </a:r>
-            <a:endParaRPr b="0" lang="ru-RU" sz="1400" spc="-1" strike="noStrike">
-              <a:solidFill>
-                <a:srgbClr val="000000"/>
-              </a:solidFill>
-              <a:latin typeface="Times New Roman"/>
-            </a:endParaRPr>
           </a:p>
         </p:txBody>
       </p:sp>
@@ -1146,9 +1480,10 @@
           </a:ln>
         </p:spPr>
         <p:txBody>
-          <a:bodyPr lIns="0" rIns="0" tIns="0" bIns="0" anchor="t">
+          <a:bodyPr lIns="0" tIns="0" rIns="0" bIns="0" anchor="t">
             <a:normAutofit fontScale="99052" lnSpcReduction="10000"/>
           </a:bodyPr>
+          <a:lstStyle/>
           <a:p>
             <a:pPr marL="432000" indent="-324000">
               <a:spcBef>
@@ -1162,7 +1497,7 @@
               <a:buChar char=""/>
             </a:pPr>
             <a:r>
-              <a:rPr b="0" lang="ru-RU" sz="3200" spc="-1" strike="noStrike">
+              <a:rPr lang="ru-RU" sz="3200" b="0" strike="noStrike" spc="-1">
                 <a:solidFill>
                   <a:srgbClr val="000000"/>
                 </a:solidFill>
@@ -1170,15 +1505,9 @@
               </a:rPr>
               <a:t>Для правки структуры щёлкните мышью</a:t>
             </a:r>
-            <a:endParaRPr b="0" lang="ru-RU" sz="3200" spc="-1" strike="noStrike">
-              <a:solidFill>
-                <a:srgbClr val="000000"/>
-              </a:solidFill>
-              <a:latin typeface="DejaVu Sans"/>
-            </a:endParaRPr>
-          </a:p>
-          <a:p>
-            <a:pPr lvl="1" marL="864000" indent="-324000">
+          </a:p>
+          <a:p>
+            <a:pPr marL="864000" lvl="1" indent="-324000">
               <a:spcBef>
                 <a:spcPts val="1134"/>
               </a:spcBef>
@@ -1190,7 +1519,7 @@
               <a:buChar char=""/>
             </a:pPr>
             <a:r>
-              <a:rPr b="0" lang="ru-RU" sz="2800" spc="-1" strike="noStrike">
+              <a:rPr lang="ru-RU" sz="2800" b="0" strike="noStrike" spc="-1">
                 <a:solidFill>
                   <a:srgbClr val="000000"/>
                 </a:solidFill>
@@ -1198,15 +1527,9 @@
               </a:rPr>
               <a:t>Второй уровень структуры</a:t>
             </a:r>
-            <a:endParaRPr b="0" lang="ru-RU" sz="2800" spc="-1" strike="noStrike">
-              <a:solidFill>
-                <a:srgbClr val="000000"/>
-              </a:solidFill>
-              <a:latin typeface="DejaVu Sans"/>
-            </a:endParaRPr>
-          </a:p>
-          <a:p>
-            <a:pPr lvl="2" marL="1296000" indent="-288000">
+          </a:p>
+          <a:p>
+            <a:pPr marL="1296000" lvl="2" indent="-288000">
               <a:spcBef>
                 <a:spcPts val="850"/>
               </a:spcBef>
@@ -1218,7 +1541,7 @@
               <a:buChar char=""/>
             </a:pPr>
             <a:r>
-              <a:rPr b="0" lang="ru-RU" sz="2400" spc="-1" strike="noStrike">
+              <a:rPr lang="ru-RU" sz="2400" b="0" strike="noStrike" spc="-1">
                 <a:solidFill>
                   <a:srgbClr val="000000"/>
                 </a:solidFill>
@@ -1226,15 +1549,9 @@
               </a:rPr>
               <a:t>Третий уровень структуры</a:t>
             </a:r>
-            <a:endParaRPr b="0" lang="ru-RU" sz="2400" spc="-1" strike="noStrike">
-              <a:solidFill>
-                <a:srgbClr val="000000"/>
-              </a:solidFill>
-              <a:latin typeface="DejaVu Sans"/>
-            </a:endParaRPr>
-          </a:p>
-          <a:p>
-            <a:pPr lvl="3" marL="1728000" indent="-216000">
+          </a:p>
+          <a:p>
+            <a:pPr marL="1728000" lvl="3" indent="-216000">
               <a:spcBef>
                 <a:spcPts val="567"/>
               </a:spcBef>
@@ -1246,7 +1563,7 @@
               <a:buChar char=""/>
             </a:pPr>
             <a:r>
-              <a:rPr b="0" lang="ru-RU" sz="2000" spc="-1" strike="noStrike">
+              <a:rPr lang="ru-RU" sz="2000" b="0" strike="noStrike" spc="-1">
                 <a:solidFill>
                   <a:srgbClr val="000000"/>
                 </a:solidFill>
@@ -1254,15 +1571,9 @@
               </a:rPr>
               <a:t>Четвёртый уровень структуры</a:t>
             </a:r>
-            <a:endParaRPr b="0" lang="ru-RU" sz="2000" spc="-1" strike="noStrike">
-              <a:solidFill>
-                <a:srgbClr val="000000"/>
-              </a:solidFill>
-              <a:latin typeface="DejaVu Sans"/>
-            </a:endParaRPr>
-          </a:p>
-          <a:p>
-            <a:pPr lvl="4" marL="2160000" indent="-216000">
+          </a:p>
+          <a:p>
+            <a:pPr marL="2160000" lvl="4" indent="-216000">
               <a:spcBef>
                 <a:spcPts val="283"/>
               </a:spcBef>
@@ -1274,7 +1585,7 @@
               <a:buChar char=""/>
             </a:pPr>
             <a:r>
-              <a:rPr b="0" lang="ru-RU" sz="2000" spc="-1" strike="noStrike">
+              <a:rPr lang="ru-RU" sz="2000" b="0" strike="noStrike" spc="-1">
                 <a:solidFill>
                   <a:srgbClr val="000000"/>
                 </a:solidFill>
@@ -1282,15 +1593,9 @@
               </a:rPr>
               <a:t>Пятый уровень структуры</a:t>
             </a:r>
-            <a:endParaRPr b="0" lang="ru-RU" sz="2000" spc="-1" strike="noStrike">
-              <a:solidFill>
-                <a:srgbClr val="000000"/>
-              </a:solidFill>
-              <a:latin typeface="DejaVu Sans"/>
-            </a:endParaRPr>
-          </a:p>
-          <a:p>
-            <a:pPr lvl="5" marL="2592000" indent="-216000">
+          </a:p>
+          <a:p>
+            <a:pPr marL="2592000" lvl="5" indent="-216000">
               <a:spcBef>
                 <a:spcPts val="283"/>
               </a:spcBef>
@@ -1302,7 +1607,7 @@
               <a:buChar char=""/>
             </a:pPr>
             <a:r>
-              <a:rPr b="0" lang="ru-RU" sz="2000" spc="-1" strike="noStrike">
+              <a:rPr lang="ru-RU" sz="2000" b="0" strike="noStrike" spc="-1">
                 <a:solidFill>
                   <a:srgbClr val="000000"/>
                 </a:solidFill>
@@ -1310,15 +1615,9 @@
               </a:rPr>
               <a:t>Шестой уровень структуры</a:t>
             </a:r>
-            <a:endParaRPr b="0" lang="ru-RU" sz="2000" spc="-1" strike="noStrike">
-              <a:solidFill>
-                <a:srgbClr val="000000"/>
-              </a:solidFill>
-              <a:latin typeface="DejaVu Sans"/>
-            </a:endParaRPr>
-          </a:p>
-          <a:p>
-            <a:pPr lvl="6" marL="3024000" indent="-216000">
+          </a:p>
+          <a:p>
+            <a:pPr marL="3024000" lvl="6" indent="-216000">
               <a:spcBef>
                 <a:spcPts val="283"/>
               </a:spcBef>
@@ -1330,7 +1629,7 @@
               <a:buChar char=""/>
             </a:pPr>
             <a:r>
-              <a:rPr b="0" lang="ru-RU" sz="2000" spc="-1" strike="noStrike">
+              <a:rPr lang="ru-RU" sz="2000" b="0" strike="noStrike" spc="-1">
                 <a:solidFill>
                   <a:srgbClr val="000000"/>
                 </a:solidFill>
@@ -1338,26 +1637,300 @@
               </a:rPr>
               <a:t>Седьмой уровень структуры</a:t>
             </a:r>
-            <a:endParaRPr b="0" lang="ru-RU" sz="2000" spc="-1" strike="noStrike">
-              <a:solidFill>
-                <a:srgbClr val="000000"/>
-              </a:solidFill>
-              <a:latin typeface="DejaVu Sans"/>
-            </a:endParaRPr>
           </a:p>
         </p:txBody>
       </p:sp>
     </p:spTree>
   </p:cSld>
-  <p:clrMap bg1="lt1" bg2="lt2" tx1="dk1" tx2="dk2" accent1="accent1" accent2="accent2" accent3="accent3" accent4="accent4" accent5="accent5" accent6="accent6" hlink="hlink" folHlink="folHlink"/>
+  <p:clrMap bg1="lt1" tx1="dk1" bg2="lt2" tx2="dk2" accent1="accent1" accent2="accent2" accent3="accent3" accent4="accent4" accent5="accent5" accent6="accent6" hlink="hlink" folHlink="folHlink"/>
   <p:sldLayoutIdLst>
-    <p:sldLayoutId id="2147483651" r:id="rId2"/>
+    <p:sldLayoutId id="2147483651" r:id="rId1"/>
   </p:sldLayoutIdLst>
+  <p:txStyles>
+    <p:titleStyle>
+      <a:lvl1pPr algn="l" defTabSz="914400" rtl="0" eaLnBrk="1" latinLnBrk="0" hangingPunct="1">
+        <a:lnSpc>
+          <a:spcPct val="90000"/>
+        </a:lnSpc>
+        <a:spcBef>
+          <a:spcPct val="0"/>
+        </a:spcBef>
+        <a:buNone/>
+        <a:defRPr sz="4400" kern="1200">
+          <a:solidFill>
+            <a:schemeClr val="tx1"/>
+          </a:solidFill>
+          <a:latin typeface="+mj-lt"/>
+          <a:ea typeface="+mj-ea"/>
+          <a:cs typeface="+mj-cs"/>
+        </a:defRPr>
+      </a:lvl1pPr>
+    </p:titleStyle>
+    <p:bodyStyle>
+      <a:lvl1pPr marL="228600" indent="-228600" algn="l" defTabSz="914400" rtl="0" eaLnBrk="1" latinLnBrk="0" hangingPunct="1">
+        <a:lnSpc>
+          <a:spcPct val="90000"/>
+        </a:lnSpc>
+        <a:spcBef>
+          <a:spcPts val="1000"/>
+        </a:spcBef>
+        <a:buFont typeface="Arial" panose="020B0604020202020204" pitchFamily="34" charset="0"/>
+        <a:buChar char="•"/>
+        <a:defRPr sz="2800" kern="1200">
+          <a:solidFill>
+            <a:schemeClr val="tx1"/>
+          </a:solidFill>
+          <a:latin typeface="+mn-lt"/>
+          <a:ea typeface="+mn-ea"/>
+          <a:cs typeface="+mn-cs"/>
+        </a:defRPr>
+      </a:lvl1pPr>
+      <a:lvl2pPr marL="685800" indent="-228600" algn="l" defTabSz="914400" rtl="0" eaLnBrk="1" latinLnBrk="0" hangingPunct="1">
+        <a:lnSpc>
+          <a:spcPct val="90000"/>
+        </a:lnSpc>
+        <a:spcBef>
+          <a:spcPts val="500"/>
+        </a:spcBef>
+        <a:buFont typeface="Arial" panose="020B0604020202020204" pitchFamily="34" charset="0"/>
+        <a:buChar char="•"/>
+        <a:defRPr sz="2400" kern="1200">
+          <a:solidFill>
+            <a:schemeClr val="tx1"/>
+          </a:solidFill>
+          <a:latin typeface="+mn-lt"/>
+          <a:ea typeface="+mn-ea"/>
+          <a:cs typeface="+mn-cs"/>
+        </a:defRPr>
+      </a:lvl2pPr>
+      <a:lvl3pPr marL="1143000" indent="-228600" algn="l" defTabSz="914400" rtl="0" eaLnBrk="1" latinLnBrk="0" hangingPunct="1">
+        <a:lnSpc>
+          <a:spcPct val="90000"/>
+        </a:lnSpc>
+        <a:spcBef>
+          <a:spcPts val="500"/>
+        </a:spcBef>
+        <a:buFont typeface="Arial" panose="020B0604020202020204" pitchFamily="34" charset="0"/>
+        <a:buChar char="•"/>
+        <a:defRPr sz="2000" kern="1200">
+          <a:solidFill>
+            <a:schemeClr val="tx1"/>
+          </a:solidFill>
+          <a:latin typeface="+mn-lt"/>
+          <a:ea typeface="+mn-ea"/>
+          <a:cs typeface="+mn-cs"/>
+        </a:defRPr>
+      </a:lvl3pPr>
+      <a:lvl4pPr marL="1600200" indent="-228600" algn="l" defTabSz="914400" rtl="0" eaLnBrk="1" latinLnBrk="0" hangingPunct="1">
+        <a:lnSpc>
+          <a:spcPct val="90000"/>
+        </a:lnSpc>
+        <a:spcBef>
+          <a:spcPts val="500"/>
+        </a:spcBef>
+        <a:buFont typeface="Arial" panose="020B0604020202020204" pitchFamily="34" charset="0"/>
+        <a:buChar char="•"/>
+        <a:defRPr sz="1800" kern="1200">
+          <a:solidFill>
+            <a:schemeClr val="tx1"/>
+          </a:solidFill>
+          <a:latin typeface="+mn-lt"/>
+          <a:ea typeface="+mn-ea"/>
+          <a:cs typeface="+mn-cs"/>
+        </a:defRPr>
+      </a:lvl4pPr>
+      <a:lvl5pPr marL="2057400" indent="-228600" algn="l" defTabSz="914400" rtl="0" eaLnBrk="1" latinLnBrk="0" hangingPunct="1">
+        <a:lnSpc>
+          <a:spcPct val="90000"/>
+        </a:lnSpc>
+        <a:spcBef>
+          <a:spcPts val="500"/>
+        </a:spcBef>
+        <a:buFont typeface="Arial" panose="020B0604020202020204" pitchFamily="34" charset="0"/>
+        <a:buChar char="•"/>
+        <a:defRPr sz="1800" kern="1200">
+          <a:solidFill>
+            <a:schemeClr val="tx1"/>
+          </a:solidFill>
+          <a:latin typeface="+mn-lt"/>
+          <a:ea typeface="+mn-ea"/>
+          <a:cs typeface="+mn-cs"/>
+        </a:defRPr>
+      </a:lvl5pPr>
+      <a:lvl6pPr marL="2514600" indent="-228600" algn="l" defTabSz="914400" rtl="0" eaLnBrk="1" latinLnBrk="0" hangingPunct="1">
+        <a:lnSpc>
+          <a:spcPct val="90000"/>
+        </a:lnSpc>
+        <a:spcBef>
+          <a:spcPts val="500"/>
+        </a:spcBef>
+        <a:buFont typeface="Arial" panose="020B0604020202020204" pitchFamily="34" charset="0"/>
+        <a:buChar char="•"/>
+        <a:defRPr sz="1800" kern="1200">
+          <a:solidFill>
+            <a:schemeClr val="tx1"/>
+          </a:solidFill>
+          <a:latin typeface="+mn-lt"/>
+          <a:ea typeface="+mn-ea"/>
+          <a:cs typeface="+mn-cs"/>
+        </a:defRPr>
+      </a:lvl6pPr>
+      <a:lvl7pPr marL="2971800" indent="-228600" algn="l" defTabSz="914400" rtl="0" eaLnBrk="1" latinLnBrk="0" hangingPunct="1">
+        <a:lnSpc>
+          <a:spcPct val="90000"/>
+        </a:lnSpc>
+        <a:spcBef>
+          <a:spcPts val="500"/>
+        </a:spcBef>
+        <a:buFont typeface="Arial" panose="020B0604020202020204" pitchFamily="34" charset="0"/>
+        <a:buChar char="•"/>
+        <a:defRPr sz="1800" kern="1200">
+          <a:solidFill>
+            <a:schemeClr val="tx1"/>
+          </a:solidFill>
+          <a:latin typeface="+mn-lt"/>
+          <a:ea typeface="+mn-ea"/>
+          <a:cs typeface="+mn-cs"/>
+        </a:defRPr>
+      </a:lvl7pPr>
+      <a:lvl8pPr marL="3429000" indent="-228600" algn="l" defTabSz="914400" rtl="0" eaLnBrk="1" latinLnBrk="0" hangingPunct="1">
+        <a:lnSpc>
+          <a:spcPct val="90000"/>
+        </a:lnSpc>
+        <a:spcBef>
+          <a:spcPts val="500"/>
+        </a:spcBef>
+        <a:buFont typeface="Arial" panose="020B0604020202020204" pitchFamily="34" charset="0"/>
+        <a:buChar char="•"/>
+        <a:defRPr sz="1800" kern="1200">
+          <a:solidFill>
+            <a:schemeClr val="tx1"/>
+          </a:solidFill>
+          <a:latin typeface="+mn-lt"/>
+          <a:ea typeface="+mn-ea"/>
+          <a:cs typeface="+mn-cs"/>
+        </a:defRPr>
+      </a:lvl8pPr>
+      <a:lvl9pPr marL="3886200" indent="-228600" algn="l" defTabSz="914400" rtl="0" eaLnBrk="1" latinLnBrk="0" hangingPunct="1">
+        <a:lnSpc>
+          <a:spcPct val="90000"/>
+        </a:lnSpc>
+        <a:spcBef>
+          <a:spcPts val="500"/>
+        </a:spcBef>
+        <a:buFont typeface="Arial" panose="020B0604020202020204" pitchFamily="34" charset="0"/>
+        <a:buChar char="•"/>
+        <a:defRPr sz="1800" kern="1200">
+          <a:solidFill>
+            <a:schemeClr val="tx1"/>
+          </a:solidFill>
+          <a:latin typeface="+mn-lt"/>
+          <a:ea typeface="+mn-ea"/>
+          <a:cs typeface="+mn-cs"/>
+        </a:defRPr>
+      </a:lvl9pPr>
+    </p:bodyStyle>
+    <p:otherStyle>
+      <a:defPPr>
+        <a:defRPr lang="en-US"/>
+      </a:defPPr>
+      <a:lvl1pPr marL="0" algn="l" defTabSz="914400" rtl="0" eaLnBrk="1" latinLnBrk="0" hangingPunct="1">
+        <a:defRPr sz="1800" kern="1200">
+          <a:solidFill>
+            <a:schemeClr val="tx1"/>
+          </a:solidFill>
+          <a:latin typeface="+mn-lt"/>
+          <a:ea typeface="+mn-ea"/>
+          <a:cs typeface="+mn-cs"/>
+        </a:defRPr>
+      </a:lvl1pPr>
+      <a:lvl2pPr marL="457200" algn="l" defTabSz="914400" rtl="0" eaLnBrk="1" latinLnBrk="0" hangingPunct="1">
+        <a:defRPr sz="1800" kern="1200">
+          <a:solidFill>
+            <a:schemeClr val="tx1"/>
+          </a:solidFill>
+          <a:latin typeface="+mn-lt"/>
+          <a:ea typeface="+mn-ea"/>
+          <a:cs typeface="+mn-cs"/>
+        </a:defRPr>
+      </a:lvl2pPr>
+      <a:lvl3pPr marL="914400" algn="l" defTabSz="914400" rtl="0" eaLnBrk="1" latinLnBrk="0" hangingPunct="1">
+        <a:defRPr sz="1800" kern="1200">
+          <a:solidFill>
+            <a:schemeClr val="tx1"/>
+          </a:solidFill>
+          <a:latin typeface="+mn-lt"/>
+          <a:ea typeface="+mn-ea"/>
+          <a:cs typeface="+mn-cs"/>
+        </a:defRPr>
+      </a:lvl3pPr>
+      <a:lvl4pPr marL="1371600" algn="l" defTabSz="914400" rtl="0" eaLnBrk="1" latinLnBrk="0" hangingPunct="1">
+        <a:defRPr sz="1800" kern="1200">
+          <a:solidFill>
+            <a:schemeClr val="tx1"/>
+          </a:solidFill>
+          <a:latin typeface="+mn-lt"/>
+          <a:ea typeface="+mn-ea"/>
+          <a:cs typeface="+mn-cs"/>
+        </a:defRPr>
+      </a:lvl4pPr>
+      <a:lvl5pPr marL="1828800" algn="l" defTabSz="914400" rtl="0" eaLnBrk="1" latinLnBrk="0" hangingPunct="1">
+        <a:defRPr sz="1800" kern="1200">
+          <a:solidFill>
+            <a:schemeClr val="tx1"/>
+          </a:solidFill>
+          <a:latin typeface="+mn-lt"/>
+          <a:ea typeface="+mn-ea"/>
+          <a:cs typeface="+mn-cs"/>
+        </a:defRPr>
+      </a:lvl5pPr>
+      <a:lvl6pPr marL="2286000" algn="l" defTabSz="914400" rtl="0" eaLnBrk="1" latinLnBrk="0" hangingPunct="1">
+        <a:defRPr sz="1800" kern="1200">
+          <a:solidFill>
+            <a:schemeClr val="tx1"/>
+          </a:solidFill>
+          <a:latin typeface="+mn-lt"/>
+          <a:ea typeface="+mn-ea"/>
+          <a:cs typeface="+mn-cs"/>
+        </a:defRPr>
+      </a:lvl6pPr>
+      <a:lvl7pPr marL="2743200" algn="l" defTabSz="914400" rtl="0" eaLnBrk="1" latinLnBrk="0" hangingPunct="1">
+        <a:defRPr sz="1800" kern="1200">
+          <a:solidFill>
+            <a:schemeClr val="tx1"/>
+          </a:solidFill>
+          <a:latin typeface="+mn-lt"/>
+          <a:ea typeface="+mn-ea"/>
+          <a:cs typeface="+mn-cs"/>
+        </a:defRPr>
+      </a:lvl7pPr>
+      <a:lvl8pPr marL="3200400" algn="l" defTabSz="914400" rtl="0" eaLnBrk="1" latinLnBrk="0" hangingPunct="1">
+        <a:defRPr sz="1800" kern="1200">
+          <a:solidFill>
+            <a:schemeClr val="tx1"/>
+          </a:solidFill>
+          <a:latin typeface="+mn-lt"/>
+          <a:ea typeface="+mn-ea"/>
+          <a:cs typeface="+mn-cs"/>
+        </a:defRPr>
+      </a:lvl8pPr>
+      <a:lvl9pPr marL="3657600" algn="l" defTabSz="914400" rtl="0" eaLnBrk="1" latinLnBrk="0" hangingPunct="1">
+        <a:defRPr sz="1800" kern="1200">
+          <a:solidFill>
+            <a:schemeClr val="tx1"/>
+          </a:solidFill>
+          <a:latin typeface="+mn-lt"/>
+          <a:ea typeface="+mn-ea"/>
+          <a:cs typeface="+mn-cs"/>
+        </a:defRPr>
+      </a:lvl9pPr>
+    </p:otherStyle>
+  </p:txStyles>
 </p:sldMaster>
 </file>
 
 <file path=ppt/slides/slide1.xml><?xml version="1.0" encoding="utf-8"?>
-<p:sld xmlns:a="http://schemas.openxmlformats.org/drawingml/2006/main" xmlns:p="http://schemas.openxmlformats.org/presentationml/2006/main" xmlns:r="http://schemas.openxmlformats.org/officeDocument/2006/relationships" xmlns:p14="http://schemas.microsoft.com/office/powerpoint/2010/main" xmlns:p15="http://schemas.microsoft.com/office/powerpoint/2012/main" xmlns:mc="http://schemas.openxmlformats.org/markup-compatibility/2006">
+<p:sld xmlns:a="http://schemas.openxmlformats.org/drawingml/2006/main" xmlns:r="http://schemas.openxmlformats.org/officeDocument/2006/relationships" xmlns:p="http://schemas.openxmlformats.org/presentationml/2006/main">
   <p:cSld>
     <p:spTree>
       <p:nvGrpSpPr>
@@ -1397,9 +1970,10 @@
           </a:ln>
         </p:spPr>
         <p:txBody>
-          <a:bodyPr lIns="0" rIns="0" tIns="0" bIns="0" anchor="ctr">
+          <a:bodyPr lIns="0" tIns="0" rIns="0" bIns="0" anchor="ctr">
             <a:noAutofit/>
           </a:bodyPr>
+          <a:lstStyle/>
           <a:p>
             <a:pPr indent="0" algn="ctr">
               <a:lnSpc>
@@ -1407,11 +1981,11 @@
               </a:lnSpc>
               <a:buNone/>
               <a:tabLst>
-                <a:tab algn="l" pos="0"/>
+                <a:tab pos="0" algn="l"/>
               </a:tabLst>
             </a:pPr>
             <a:r>
-              <a:rPr b="0" lang="ru-RU" sz="4400" spc="-1" strike="noStrike">
+              <a:rPr lang="ru-RU" sz="4400" b="0" strike="noStrike" spc="-1">
                 <a:solidFill>
                   <a:srgbClr val="000000"/>
                 </a:solidFill>
@@ -1419,7 +1993,7 @@
               </a:rPr>
               <a:t>Этапы создания моего проекта</a:t>
             </a:r>
-            <a:endParaRPr b="0" lang="ru-RU" sz="4400" spc="-1" strike="noStrike">
+            <a:endParaRPr lang="ru-RU" sz="4400" b="0" strike="noStrike" spc="-1">
               <a:solidFill>
                 <a:srgbClr val="000000"/>
               </a:solidFill>
@@ -1430,13 +2004,16 @@
       </p:sp>
     </p:spTree>
   </p:cSld>
-  <mc:AlternateContent>
+  <p:clrMapOvr>
+    <a:masterClrMapping/>
+  </p:clrMapOvr>
+  <mc:AlternateContent xmlns:mc="http://schemas.openxmlformats.org/markup-compatibility/2006" xmlns:p14="http://schemas.microsoft.com/office/powerpoint/2010/main">
     <mc:Choice Requires="p14">
       <p:transition spd="slow" p14:dur="2000">
         <p:random/>
       </p:transition>
     </mc:Choice>
-    <mc:Fallback>
+    <mc:Fallback xmlns:p15="http://schemas.microsoft.com/office/powerpoint/2012/main" xmlns="">
       <p:transition spd="slow">
         <p:random/>
       </p:transition>
@@ -1446,7 +2023,7 @@
 </file>
 
 <file path=ppt/slides/slide2.xml><?xml version="1.0" encoding="utf-8"?>
-<p:sld xmlns:a="http://schemas.openxmlformats.org/drawingml/2006/main" xmlns:p="http://schemas.openxmlformats.org/presentationml/2006/main" xmlns:r="http://schemas.openxmlformats.org/officeDocument/2006/relationships" xmlns:p14="http://schemas.microsoft.com/office/powerpoint/2010/main" xmlns:p15="http://schemas.microsoft.com/office/powerpoint/2012/main" xmlns:mc="http://schemas.openxmlformats.org/markup-compatibility/2006">
+<p:sld xmlns:a="http://schemas.openxmlformats.org/drawingml/2006/main" xmlns:r="http://schemas.openxmlformats.org/officeDocument/2006/relationships" xmlns:p="http://schemas.openxmlformats.org/presentationml/2006/main">
   <p:cSld>
     <p:spTree>
       <p:nvGrpSpPr>
@@ -1486,9 +2063,10 @@
           </a:ln>
         </p:spPr>
         <p:txBody>
-          <a:bodyPr lIns="0" rIns="0" tIns="0" bIns="0" anchor="ctr">
+          <a:bodyPr lIns="0" tIns="0" rIns="0" bIns="0" anchor="ctr">
             <a:noAutofit/>
           </a:bodyPr>
+          <a:lstStyle/>
           <a:p>
             <a:pPr indent="0" algn="ctr">
               <a:lnSpc>
@@ -1496,11 +2074,11 @@
               </a:lnSpc>
               <a:buNone/>
               <a:tabLst>
-                <a:tab algn="l" pos="0"/>
+                <a:tab pos="0" algn="l"/>
               </a:tabLst>
             </a:pPr>
             <a:r>
-              <a:rPr b="0" lang="ru-RU" sz="4400" spc="-1" strike="noStrike">
+              <a:rPr lang="ru-RU" sz="4400" b="0" strike="noStrike" spc="-1">
                 <a:solidFill>
                   <a:srgbClr val="000000"/>
                 </a:solidFill>
@@ -1508,7 +2086,7 @@
               </a:rPr>
               <a:t>Этап I. Разработка идеи</a:t>
             </a:r>
-            <a:endParaRPr b="0" lang="ru-RU" sz="4400" spc="-1" strike="noStrike">
+            <a:endParaRPr lang="ru-RU" sz="4400" b="0" strike="noStrike" spc="-1">
               <a:solidFill>
                 <a:srgbClr val="000000"/>
               </a:solidFill>
@@ -1541,9 +2119,10 @@
           </a:ln>
         </p:spPr>
         <p:txBody>
-          <a:bodyPr lIns="0" rIns="0" tIns="0" bIns="0" anchor="ctr">
+          <a:bodyPr lIns="0" tIns="0" rIns="0" bIns="0" anchor="ctr">
             <a:normAutofit/>
           </a:bodyPr>
+          <a:lstStyle/>
           <a:p>
             <a:pPr marL="432000" indent="-324000">
               <a:lnSpc>
@@ -1560,33 +2139,15 @@
               <a:buChar char=""/>
             </a:pPr>
             <a:r>
-              <a:rPr b="0" lang="ru-RU" sz="2000" spc="-1" strike="noStrike">
+              <a:rPr lang="ru-RU" sz="2000" b="0" strike="noStrike" spc="-1">
                 <a:solidFill>
                   <a:srgbClr val="000000"/>
                 </a:solidFill>
                 <a:latin typeface="Times New Roman"/>
               </a:rPr>
-              <a:t>Однажды наше ТСЖ столкнулось с проблемой: в нашем дворе было слишком </a:t>
-            </a:r>
-            <a:r>
-              <a:rPr b="0" lang="ru-RU" sz="2000" spc="-1" strike="noStrike">
-                <a:solidFill>
-                  <a:srgbClr val="000000"/>
-                </a:solidFill>
-                <a:latin typeface="Times New Roman"/>
-              </a:rPr>
-              <a:t>много чужих машин. Именно тогда меня посетила мысль написать эту </a:t>
-            </a:r>
-            <a:r>
-              <a:rPr b="0" lang="ru-RU" sz="2000" spc="-1" strike="noStrike">
-                <a:solidFill>
-                  <a:srgbClr val="000000"/>
-                </a:solidFill>
-                <a:latin typeface="Times New Roman"/>
-              </a:rPr>
-              <a:t>программу.</a:t>
-            </a:r>
-            <a:endParaRPr b="0" lang="ru-RU" sz="2000" spc="-1" strike="noStrike">
+              <a:t>Однажды наше ТСЖ столкнулось с проблемой: в нашем дворе было слишком много чужих машин. Именно тогда меня посетила мысль написать эту программу.</a:t>
+            </a:r>
+            <a:endParaRPr lang="ru-RU" sz="2000" b="0" strike="noStrike" spc="-1">
               <a:solidFill>
                 <a:srgbClr val="000000"/>
               </a:solidFill>
@@ -1597,13 +2158,16 @@
       </p:sp>
     </p:spTree>
   </p:cSld>
-  <mc:AlternateContent>
+  <p:clrMapOvr>
+    <a:masterClrMapping/>
+  </p:clrMapOvr>
+  <mc:AlternateContent xmlns:mc="http://schemas.openxmlformats.org/markup-compatibility/2006" xmlns:p14="http://schemas.microsoft.com/office/powerpoint/2010/main">
     <mc:Choice Requires="p14">
       <p:transition spd="slow" p14:dur="2000">
         <p:random/>
       </p:transition>
     </mc:Choice>
-    <mc:Fallback>
+    <mc:Fallback xmlns:p15="http://schemas.microsoft.com/office/powerpoint/2012/main" xmlns="">
       <p:transition spd="slow">
         <p:random/>
       </p:transition>
@@ -1613,7 +2177,7 @@
 </file>
 
 <file path=ppt/slides/slide3.xml><?xml version="1.0" encoding="utf-8"?>
-<p:sld xmlns:a="http://schemas.openxmlformats.org/drawingml/2006/main" xmlns:p="http://schemas.openxmlformats.org/presentationml/2006/main" xmlns:r="http://schemas.openxmlformats.org/officeDocument/2006/relationships" xmlns:p14="http://schemas.microsoft.com/office/powerpoint/2010/main" xmlns:p15="http://schemas.microsoft.com/office/powerpoint/2012/main" xmlns:mc="http://schemas.openxmlformats.org/markup-compatibility/2006">
+<p:sld xmlns:a="http://schemas.openxmlformats.org/drawingml/2006/main" xmlns:r="http://schemas.openxmlformats.org/officeDocument/2006/relationships" xmlns:p="http://schemas.openxmlformats.org/presentationml/2006/main">
   <p:cSld>
     <p:spTree>
       <p:nvGrpSpPr>
@@ -1653,9 +2217,10 @@
           </a:ln>
         </p:spPr>
         <p:txBody>
-          <a:bodyPr lIns="0" rIns="0" tIns="0" bIns="0" anchor="ctr">
+          <a:bodyPr lIns="0" tIns="0" rIns="0" bIns="0" anchor="ctr">
             <a:noAutofit/>
           </a:bodyPr>
+          <a:lstStyle/>
           <a:p>
             <a:pPr indent="0" algn="ctr">
               <a:lnSpc>
@@ -1663,11 +2228,11 @@
               </a:lnSpc>
               <a:buNone/>
               <a:tabLst>
-                <a:tab algn="l" pos="0"/>
+                <a:tab pos="0" algn="l"/>
               </a:tabLst>
             </a:pPr>
             <a:r>
-              <a:rPr b="0" lang="ru-RU" sz="4400" spc="-1" strike="noStrike">
+              <a:rPr lang="ru-RU" sz="4400" b="0" strike="noStrike" spc="-1">
                 <a:solidFill>
                   <a:srgbClr val="000000"/>
                 </a:solidFill>
@@ -1675,7 +2240,7 @@
               </a:rPr>
               <a:t>Создание программы</a:t>
             </a:r>
-            <a:endParaRPr b="0" lang="ru-RU" sz="4400" spc="-1" strike="noStrike">
+            <a:endParaRPr lang="ru-RU" sz="4400" b="0" strike="noStrike" spc="-1">
               <a:solidFill>
                 <a:srgbClr val="000000"/>
               </a:solidFill>
@@ -1686,13 +2251,16 @@
       </p:sp>
     </p:spTree>
   </p:cSld>
-  <mc:AlternateContent>
+  <p:clrMapOvr>
+    <a:masterClrMapping/>
+  </p:clrMapOvr>
+  <mc:AlternateContent xmlns:mc="http://schemas.openxmlformats.org/markup-compatibility/2006" xmlns:p14="http://schemas.microsoft.com/office/powerpoint/2010/main">
     <mc:Choice Requires="p14">
       <p:transition spd="slow" p14:dur="2000">
         <p:random/>
       </p:transition>
     </mc:Choice>
-    <mc:Fallback>
+    <mc:Fallback xmlns:p15="http://schemas.microsoft.com/office/powerpoint/2012/main" xmlns="">
       <p:transition spd="slow">
         <p:random/>
       </p:transition>
@@ -1702,7 +2270,7 @@
 </file>
 
 <file path=ppt/slides/slide4.xml><?xml version="1.0" encoding="utf-8"?>
-<p:sld xmlns:a="http://schemas.openxmlformats.org/drawingml/2006/main" xmlns:p="http://schemas.openxmlformats.org/presentationml/2006/main" xmlns:r="http://schemas.openxmlformats.org/officeDocument/2006/relationships" xmlns:p14="http://schemas.microsoft.com/office/powerpoint/2010/main" xmlns:p15="http://schemas.microsoft.com/office/powerpoint/2012/main" xmlns:mc="http://schemas.openxmlformats.org/markup-compatibility/2006">
+<p:sld xmlns:a="http://schemas.openxmlformats.org/drawingml/2006/main" xmlns:r="http://schemas.openxmlformats.org/officeDocument/2006/relationships" xmlns:p="http://schemas.openxmlformats.org/presentationml/2006/main">
   <p:cSld>
     <p:spTree>
       <p:nvGrpSpPr>
@@ -1742,9 +2310,10 @@
           </a:ln>
         </p:spPr>
         <p:txBody>
-          <a:bodyPr lIns="0" rIns="0" tIns="0" bIns="0" anchor="ctr">
+          <a:bodyPr lIns="0" tIns="0" rIns="0" bIns="0" anchor="ctr">
             <a:noAutofit/>
           </a:bodyPr>
+          <a:lstStyle/>
           <a:p>
             <a:pPr indent="0" algn="ctr">
               <a:lnSpc>
@@ -1752,11 +2321,11 @@
               </a:lnSpc>
               <a:buNone/>
               <a:tabLst>
-                <a:tab algn="l" pos="0"/>
+                <a:tab pos="0" algn="l"/>
               </a:tabLst>
             </a:pPr>
             <a:r>
-              <a:rPr b="0" lang="ru-RU" sz="4400" spc="-1" strike="noStrike">
+              <a:rPr lang="ru-RU" sz="4400" b="0" strike="noStrike" spc="-1" dirty="0">
                 <a:solidFill>
                   <a:srgbClr val="000000"/>
                 </a:solidFill>
@@ -1764,7 +2333,7 @@
               </a:rPr>
               <a:t>Создание форм для окон</a:t>
             </a:r>
-            <a:endParaRPr b="0" lang="ru-RU" sz="4400" spc="-1" strike="noStrike">
+            <a:endParaRPr lang="ru-RU" sz="4400" b="0" strike="noStrike" spc="-1" dirty="0">
               <a:solidFill>
                 <a:srgbClr val="000000"/>
               </a:solidFill>
@@ -1775,18 +2344,41 @@
       </p:sp>
       <p:pic>
         <p:nvPicPr>
-          <p:cNvPr id="19" name="" descr=""/>
+          <p:cNvPr id="19" name="Рисунок 18"/>
           <p:cNvPicPr/>
           <p:nvPr/>
         </p:nvPicPr>
         <p:blipFill>
-          <a:blip r:embed="rId1"/>
+          <a:blip r:embed="rId2"/>
           <a:stretch/>
         </p:blipFill>
         <p:spPr>
           <a:xfrm>
-            <a:off x="186840" y="1172160"/>
+            <a:off x="907200" y="3231910"/>
             <a:ext cx="4131720" cy="2212560"/>
+          </a:xfrm>
+          <a:prstGeom prst="rect">
+            <a:avLst/>
+          </a:prstGeom>
+          <a:ln w="0">
+            <a:noFill/>
+          </a:ln>
+        </p:spPr>
+      </p:pic>
+      <p:pic>
+        <p:nvPicPr>
+          <p:cNvPr id="21" name="Рисунок 20"/>
+          <p:cNvPicPr/>
+          <p:nvPr/>
+        </p:nvPicPr>
+        <p:blipFill>
+          <a:blip r:embed="rId3"/>
+          <a:stretch/>
+        </p:blipFill>
+        <p:spPr>
+          <a:xfrm>
+            <a:off x="5903079" y="1896032"/>
+            <a:ext cx="3588740" cy="3446997"/>
           </a:xfrm>
           <a:prstGeom prst="rect">
             <a:avLst/>
@@ -1798,14 +2390,14 @@
       </p:pic>
       <p:sp>
         <p:nvSpPr>
-          <p:cNvPr id="20" name=""/>
+          <p:cNvPr id="22" name="Прямоугольник 21"/>
           <p:cNvSpPr/>
           <p:nvPr/>
         </p:nvSpPr>
         <p:spPr>
           <a:xfrm>
-            <a:off x="4320720" y="1311840"/>
-            <a:ext cx="5758560" cy="1566720"/>
+            <a:off x="588806" y="1393215"/>
+            <a:ext cx="4672742" cy="1442060"/>
           </a:xfrm>
           <a:prstGeom prst="rect">
             <a:avLst/>
@@ -1816,15 +2408,22 @@
           </a:ln>
         </p:spPr>
         <p:style>
-          <a:lnRef idx="0"/>
-          <a:fillRef idx="0"/>
-          <a:effectRef idx="0"/>
+          <a:lnRef idx="0">
+            <a:scrgbClr r="0" g="0" b="0"/>
+          </a:lnRef>
+          <a:fillRef idx="0">
+            <a:scrgbClr r="0" g="0" b="0"/>
+          </a:fillRef>
+          <a:effectRef idx="0">
+            <a:scrgbClr r="0" g="0" b="0"/>
+          </a:effectRef>
           <a:fontRef idx="minor"/>
         </p:style>
         <p:txBody>
-          <a:bodyPr lIns="90000" rIns="90000" tIns="45000" bIns="45000" anchor="ctr">
+          <a:bodyPr lIns="90000" tIns="45000" rIns="90000" bIns="45000" anchor="ctr">
             <a:noAutofit/>
           </a:bodyPr>
+          <a:lstStyle/>
           <a:p>
             <a:pPr>
               <a:lnSpc>
@@ -1832,60 +2431,75 @@
               </a:lnSpc>
             </a:pPr>
             <a:r>
-              <a:rPr b="0" lang="ru-RU" sz="2000" spc="-1" strike="noStrike">
+              <a:rPr lang="ru-RU" sz="1800" b="0" strike="noStrike" spc="-1" dirty="0">
                 <a:solidFill>
                   <a:srgbClr val="000000"/>
                 </a:solidFill>
                 <a:latin typeface="Times New Roman"/>
-                <a:ea typeface="DejaVu Sans"/>
-              </a:rPr>
-              <a:t>Так как программа выглядела плохо при использовании темной темы моего DE (</a:t>
-            </a:r>
-            <a:r>
-              <a:rPr b="0" lang="ru-RU" sz="2000" spc="-1" strike="noStrike" u="sng">
-                <a:solidFill>
-                  <a:srgbClr val="0000ee"/>
+              </a:rPr>
+              <a:t>Я создал три файла: </a:t>
+            </a:r>
+            <a:r>
+              <a:rPr lang="ru-RU" sz="1800" b="0" u="sng" strike="noStrike" spc="-1" dirty="0" err="1">
+                <a:solidFill>
+                  <a:srgbClr val="0000EE"/>
                 </a:solidFill>
                 <a:uFillTx/>
                 <a:latin typeface="Times New Roman"/>
-                <a:ea typeface="DejaVu Sans"/>
-                <a:hlinkClick r:id="rId2"/>
-              </a:rPr>
-              <a:t>xfce</a:t>
-            </a:r>
-            <a:r>
-              <a:rPr b="0" lang="ru-RU" sz="2000" spc="-1" strike="noStrike">
+                <a:hlinkClick r:id="rId4"/>
+              </a:rPr>
+              <a:t>window.ui</a:t>
+            </a:r>
+            <a:r>
+              <a:rPr lang="ru-RU" sz="1800" b="0" strike="noStrike" spc="-1" dirty="0">
                 <a:solidFill>
                   <a:srgbClr val="000000"/>
                 </a:solidFill>
                 <a:latin typeface="Times New Roman"/>
-                <a:ea typeface="DejaVu Sans"/>
-              </a:rPr>
-              <a:t>), я использовал библиотеку </a:t>
-            </a:r>
-            <a:r>
-              <a:rPr b="0" lang="ru-RU" sz="2000" spc="-1" strike="noStrike" u="sng">
-                <a:solidFill>
-                  <a:srgbClr val="0000ee"/>
+              </a:rPr>
+              <a:t>, </a:t>
+            </a:r>
+            <a:r>
+              <a:rPr lang="ru-RU" sz="1800" b="0" u="sng" strike="noStrike" spc="-1" dirty="0" err="1">
+                <a:solidFill>
+                  <a:srgbClr val="0000EE"/>
                 </a:solidFill>
                 <a:uFillTx/>
                 <a:latin typeface="Times New Roman"/>
-                <a:ea typeface="DejaVu Sans"/>
-                <a:hlinkClick r:id="rId3"/>
-              </a:rPr>
-              <a:t>PyQtDarkTheme</a:t>
-            </a:r>
-            <a:r>
-              <a:rPr b="0" lang="ru-RU" sz="2000" spc="-1" strike="noStrike">
+                <a:hlinkClick r:id="rId5"/>
+              </a:rPr>
+              <a:t>deleteWindow.ui</a:t>
+            </a:r>
+            <a:r>
+              <a:rPr lang="ru-RU" sz="1800" b="0" strike="noStrike" spc="-1" dirty="0">
                 <a:solidFill>
                   <a:srgbClr val="000000"/>
                 </a:solidFill>
                 <a:latin typeface="Times New Roman"/>
-                <a:ea typeface="DejaVu Sans"/>
-              </a:rPr>
-              <a:t>. С ней интерфейс стал выглядеть гораздо лучше.</a:t>
-            </a:r>
-            <a:endParaRPr b="0" lang="ru-RU" sz="2000" spc="-1" strike="noStrike">
+              </a:rPr>
+              <a:t> и </a:t>
+            </a:r>
+            <a:r>
+              <a:rPr lang="ru-RU" sz="1800" b="0" u="sng" strike="noStrike" spc="-1" dirty="0" err="1">
+                <a:solidFill>
+                  <a:srgbClr val="0000EE"/>
+                </a:solidFill>
+                <a:uFillTx/>
+                <a:latin typeface="Times New Roman"/>
+                <a:hlinkClick r:id="rId6"/>
+              </a:rPr>
+              <a:t>addWindow.ui</a:t>
+            </a:r>
+            <a:r>
+              <a:rPr lang="ru-RU" sz="1800" b="0" strike="noStrike" spc="-1" dirty="0">
+                <a:solidFill>
+                  <a:srgbClr val="000000"/>
+                </a:solidFill>
+                <a:latin typeface="Times New Roman"/>
+              </a:rPr>
+              <a:t>.</a:t>
+            </a:r>
+            <a:endParaRPr lang="ru-RU" sz="1800" b="0" strike="noStrike" spc="-1" dirty="0">
               <a:solidFill>
                 <a:srgbClr val="000000"/>
               </a:solidFill>
@@ -1894,151 +2508,18 @@
           </a:p>
         </p:txBody>
       </p:sp>
-      <p:pic>
-        <p:nvPicPr>
-          <p:cNvPr id="21" name="" descr=""/>
-          <p:cNvPicPr/>
-          <p:nvPr/>
-        </p:nvPicPr>
-        <p:blipFill>
-          <a:blip r:embed="rId4"/>
-          <a:stretch/>
-        </p:blipFill>
-        <p:spPr>
-          <a:xfrm>
-            <a:off x="7375320" y="2989080"/>
-            <a:ext cx="2523240" cy="2589480"/>
-          </a:xfrm>
-          <a:prstGeom prst="rect">
-            <a:avLst/>
-          </a:prstGeom>
-          <a:ln w="0">
-            <a:noFill/>
-          </a:ln>
-        </p:spPr>
-      </p:pic>
-      <p:sp>
-        <p:nvSpPr>
-          <p:cNvPr id="22" name=""/>
-          <p:cNvSpPr/>
-          <p:nvPr/>
-        </p:nvSpPr>
-        <p:spPr>
-          <a:xfrm>
-            <a:off x="251280" y="3557160"/>
-            <a:ext cx="5992560" cy="1866240"/>
-          </a:xfrm>
-          <a:prstGeom prst="rect">
-            <a:avLst/>
-          </a:prstGeom>
-          <a:noFill/>
-          <a:ln w="0">
-            <a:noFill/>
-          </a:ln>
-        </p:spPr>
-        <p:style>
-          <a:lnRef idx="0"/>
-          <a:fillRef idx="0"/>
-          <a:effectRef idx="0"/>
-          <a:fontRef idx="minor"/>
-        </p:style>
-        <p:txBody>
-          <a:bodyPr lIns="90000" rIns="90000" tIns="45000" bIns="45000" anchor="ctr">
-            <a:noAutofit/>
-          </a:bodyPr>
-          <a:p>
-            <a:pPr>
-              <a:lnSpc>
-                <a:spcPct val="100000"/>
-              </a:lnSpc>
-            </a:pPr>
-            <a:r>
-              <a:rPr b="0" lang="ru-RU" sz="1800" spc="-1" strike="noStrike">
-                <a:solidFill>
-                  <a:srgbClr val="000000"/>
-                </a:solidFill>
-                <a:latin typeface="Times New Roman"/>
-              </a:rPr>
-              <a:t>Я создал три файла: </a:t>
-            </a:r>
-            <a:r>
-              <a:rPr b="0" lang="ru-RU" sz="1800" spc="-1" strike="noStrike" u="sng">
-                <a:solidFill>
-                  <a:srgbClr val="0000ee"/>
-                </a:solidFill>
-                <a:uFillTx/>
-                <a:latin typeface="Times New Roman"/>
-                <a:hlinkClick r:id="rId5"/>
-              </a:rPr>
-              <a:t>window.ui</a:t>
-            </a:r>
-            <a:r>
-              <a:rPr b="0" lang="ru-RU" sz="1800" spc="-1" strike="noStrike">
-                <a:solidFill>
-                  <a:srgbClr val="000000"/>
-                </a:solidFill>
-                <a:latin typeface="Times New Roman"/>
-              </a:rPr>
-              <a:t>, </a:t>
-            </a:r>
-            <a:r>
-              <a:rPr b="0" lang="ru-RU" sz="1800" spc="-1" strike="noStrike" u="sng">
-                <a:solidFill>
-                  <a:srgbClr val="0000ee"/>
-                </a:solidFill>
-                <a:uFillTx/>
-                <a:latin typeface="Times New Roman"/>
-                <a:hlinkClick r:id="rId6"/>
-              </a:rPr>
-              <a:t>deleteWindow.ui</a:t>
-            </a:r>
-            <a:r>
-              <a:rPr b="0" lang="ru-RU" sz="1800" spc="-1" strike="noStrike">
-                <a:solidFill>
-                  <a:srgbClr val="000000"/>
-                </a:solidFill>
-                <a:latin typeface="Times New Roman"/>
-              </a:rPr>
-              <a:t> и </a:t>
-            </a:r>
-            <a:r>
-              <a:rPr b="0" lang="ru-RU" sz="1800" spc="-1" strike="noStrike" u="sng">
-                <a:solidFill>
-                  <a:srgbClr val="0000ee"/>
-                </a:solidFill>
-                <a:uFillTx/>
-                <a:latin typeface="Times New Roman"/>
-                <a:hlinkClick r:id="rId7"/>
-              </a:rPr>
-              <a:t>addWindow.ui</a:t>
-            </a:r>
-            <a:r>
-              <a:rPr b="0" lang="ru-RU" sz="1800" spc="-1" strike="noStrike">
-                <a:solidFill>
-                  <a:srgbClr val="000000"/>
-                </a:solidFill>
-                <a:latin typeface="Times New Roman"/>
-              </a:rPr>
-              <a:t>.</a:t>
-            </a:r>
-            <a:endParaRPr b="0" lang="ru-RU" sz="1800" spc="-1" strike="noStrike">
-              <a:solidFill>
-                <a:srgbClr val="000000"/>
-              </a:solidFill>
-              <a:latin typeface="DejaVu Sans"/>
-            </a:endParaRPr>
-          </a:p>
-        </p:txBody>
-      </p:sp>
     </p:spTree>
   </p:cSld>
-  <mc:AlternateContent>
+  <p:clrMapOvr>
+    <a:masterClrMapping/>
+  </p:clrMapOvr>
+  <mc:AlternateContent xmlns:mc="http://schemas.openxmlformats.org/markup-compatibility/2006" xmlns:p14="http://schemas.microsoft.com/office/powerpoint/2010/main">
     <mc:Choice Requires="p14">
       <p:transition spd="slow" p14:dur="2000">
         <p:random/>
       </p:transition>
     </mc:Choice>
-    <mc:Fallback>
+    <mc:Fallback xmlns:p15="http://schemas.microsoft.com/office/powerpoint/2012/main" xmlns="">
       <p:transition spd="slow">
         <p:random/>
       </p:transition>
@@ -2048,7 +2529,7 @@
 </file>
 
 <file path=ppt/slides/slide5.xml><?xml version="1.0" encoding="utf-8"?>
-<p:sld xmlns:a="http://schemas.openxmlformats.org/drawingml/2006/main" xmlns:p="http://schemas.openxmlformats.org/presentationml/2006/main" xmlns:r="http://schemas.openxmlformats.org/officeDocument/2006/relationships" xmlns:p14="http://schemas.microsoft.com/office/powerpoint/2010/main" xmlns:p15="http://schemas.microsoft.com/office/powerpoint/2012/main" xmlns:mc="http://schemas.openxmlformats.org/markup-compatibility/2006">
+<p:sld xmlns:a="http://schemas.openxmlformats.org/drawingml/2006/main" xmlns:r="http://schemas.openxmlformats.org/officeDocument/2006/relationships" xmlns:p="http://schemas.openxmlformats.org/presentationml/2006/main">
   <p:cSld>
     <p:spTree>
       <p:nvGrpSpPr>
@@ -2088,9 +2569,10 @@
           </a:ln>
         </p:spPr>
         <p:txBody>
-          <a:bodyPr lIns="0" rIns="0" tIns="0" bIns="0" anchor="ctr">
+          <a:bodyPr lIns="0" tIns="0" rIns="0" bIns="0" anchor="ctr">
             <a:noAutofit/>
           </a:bodyPr>
+          <a:lstStyle/>
           <a:p>
             <a:pPr indent="0" algn="ctr">
               <a:lnSpc>
@@ -2098,11 +2580,11 @@
               </a:lnSpc>
               <a:buNone/>
               <a:tabLst>
-                <a:tab algn="l" pos="0"/>
+                <a:tab pos="0" algn="l"/>
               </a:tabLst>
             </a:pPr>
             <a:r>
-              <a:rPr b="0" lang="ru-RU" sz="4400" spc="-1" strike="noStrike">
+              <a:rPr lang="ru-RU" sz="4400" b="0" strike="noStrike" spc="-1">
                 <a:solidFill>
                   <a:srgbClr val="000000"/>
                 </a:solidFill>
@@ -2110,7 +2592,7 @@
               </a:rPr>
               <a:t>Разработка классов окон</a:t>
             </a:r>
-            <a:endParaRPr b="0" lang="ru-RU" sz="4400" spc="-1" strike="noStrike">
+            <a:endParaRPr lang="ru-RU" sz="4400" b="0" strike="noStrike" spc="-1">
               <a:solidFill>
                 <a:srgbClr val="000000"/>
               </a:solidFill>
@@ -2121,12 +2603,12 @@
       </p:sp>
       <p:pic>
         <p:nvPicPr>
-          <p:cNvPr id="24" name="" descr=""/>
+          <p:cNvPr id="24" name="Рисунок 23"/>
           <p:cNvPicPr/>
           <p:nvPr/>
         </p:nvPicPr>
         <p:blipFill>
-          <a:blip r:embed="rId1"/>
+          <a:blip r:embed="rId2"/>
           <a:stretch/>
         </p:blipFill>
         <p:spPr>
@@ -2144,12 +2626,12 @@
       </p:pic>
       <p:pic>
         <p:nvPicPr>
-          <p:cNvPr id="25" name="" descr=""/>
+          <p:cNvPr id="25" name="Рисунок 24"/>
           <p:cNvPicPr/>
           <p:nvPr/>
         </p:nvPicPr>
         <p:blipFill>
-          <a:blip r:embed="rId2"/>
+          <a:blip r:embed="rId3"/>
           <a:stretch/>
         </p:blipFill>
         <p:spPr>
@@ -2167,12 +2649,12 @@
       </p:pic>
       <p:pic>
         <p:nvPicPr>
-          <p:cNvPr id="26" name="" descr=""/>
+          <p:cNvPr id="26" name="Рисунок 25"/>
           <p:cNvPicPr/>
           <p:nvPr/>
         </p:nvPicPr>
         <p:blipFill>
-          <a:blip r:embed="rId3"/>
+          <a:blip r:embed="rId4"/>
           <a:stretch/>
         </p:blipFill>
         <p:spPr>
@@ -2190,7 +2672,7 @@
       </p:pic>
       <p:sp>
         <p:nvSpPr>
-          <p:cNvPr id="27" name=""/>
+          <p:cNvPr id="27" name="Прямоугольник 26"/>
           <p:cNvSpPr/>
           <p:nvPr/>
         </p:nvSpPr>
@@ -2208,15 +2690,22 @@
           </a:ln>
         </p:spPr>
         <p:style>
-          <a:lnRef idx="0"/>
-          <a:fillRef idx="0"/>
-          <a:effectRef idx="0"/>
+          <a:lnRef idx="0">
+            <a:scrgbClr r="0" g="0" b="0"/>
+          </a:lnRef>
+          <a:fillRef idx="0">
+            <a:scrgbClr r="0" g="0" b="0"/>
+          </a:fillRef>
+          <a:effectRef idx="0">
+            <a:scrgbClr r="0" g="0" b="0"/>
+          </a:effectRef>
           <a:fontRef idx="minor"/>
         </p:style>
         <p:txBody>
-          <a:bodyPr lIns="90000" rIns="90000" tIns="45000" bIns="45000" anchor="ctr">
+          <a:bodyPr lIns="90000" tIns="45000" rIns="90000" bIns="45000" anchor="ctr">
             <a:noAutofit/>
           </a:bodyPr>
+          <a:lstStyle/>
           <a:p>
             <a:pPr>
               <a:lnSpc>
@@ -2224,7 +2713,7 @@
               </a:lnSpc>
             </a:pPr>
             <a:r>
-              <a:rPr b="0" lang="ru-RU" sz="1800" spc="-1" strike="noStrike">
+              <a:rPr lang="ru-RU" sz="1800" b="0" strike="noStrike" spc="-1">
                 <a:solidFill>
                   <a:srgbClr val="000000"/>
                 </a:solidFill>
@@ -2234,72 +2723,72 @@
               <a:t>Этот этап создания проекта был самым трудоёмким. Мне пришлось изучить много документации и предусмотреть множество ошибок. Всего у меня получилось три класса: </a:t>
             </a:r>
             <a:r>
-              <a:rPr b="0" lang="ru-RU" sz="1800" spc="-1" strike="noStrike" u="sng">
-                <a:solidFill>
-                  <a:srgbClr val="0000ee"/>
-                </a:solidFill>
-                <a:uFillTx/>
-                <a:latin typeface="Times New Roman"/>
-                <a:ea typeface="DejaVu Sans"/>
-                <a:hlinkClick r:id="rId4"/>
-              </a:rPr>
-              <a:t>DeleteWindow</a:t>
-            </a:r>
-            <a:r>
-              <a:rPr b="0" lang="ru-RU" sz="1800" spc="-1" strike="noStrike">
-                <a:solidFill>
-                  <a:srgbClr val="000000"/>
-                </a:solidFill>
-                <a:latin typeface="Times New Roman"/>
-                <a:ea typeface="DejaVu Sans"/>
-              </a:rPr>
-              <a:t>,</a:t>
-            </a:r>
-            <a:r>
-              <a:rPr b="0" lang="ru-RU" sz="1800" spc="-1" strike="noStrike" u="sng">
-                <a:solidFill>
-                  <a:srgbClr val="0000ee"/>
+              <a:rPr lang="ru-RU" sz="1800" b="0" u="sng" strike="noStrike" spc="-1">
+                <a:solidFill>
+                  <a:srgbClr val="0000EE"/>
                 </a:solidFill>
                 <a:uFillTx/>
                 <a:latin typeface="Times New Roman"/>
                 <a:ea typeface="DejaVu Sans"/>
                 <a:hlinkClick r:id="rId5"/>
               </a:rPr>
-              <a:t> AddWindow</a:t>
-            </a:r>
-            <a:r>
-              <a:rPr b="0" lang="ru-RU" sz="1800" spc="-1" strike="noStrike">
+              <a:t>DeleteWindow</a:t>
+            </a:r>
+            <a:r>
+              <a:rPr lang="ru-RU" sz="1800" b="0" strike="noStrike" spc="-1">
                 <a:solidFill>
                   <a:srgbClr val="000000"/>
                 </a:solidFill>
                 <a:latin typeface="Times New Roman"/>
                 <a:ea typeface="DejaVu Sans"/>
               </a:rPr>
-              <a:t> и </a:t>
-            </a:r>
-            <a:r>
-              <a:rPr b="0" lang="ru-RU" sz="1800" spc="-1" strike="noStrike" u="sng">
-                <a:solidFill>
-                  <a:srgbClr val="0000ee"/>
+              <a:t>,</a:t>
+            </a:r>
+            <a:r>
+              <a:rPr lang="ru-RU" sz="1800" b="0" u="sng" strike="noStrike" spc="-1">
+                <a:solidFill>
+                  <a:srgbClr val="0000EE"/>
                 </a:solidFill>
                 <a:uFillTx/>
                 <a:latin typeface="Times New Roman"/>
                 <a:ea typeface="DejaVu Sans"/>
                 <a:hlinkClick r:id="rId6"/>
               </a:rPr>
-              <a:t>MainWindow</a:t>
-            </a:r>
-            <a:r>
-              <a:rPr b="0" lang="ru-RU" sz="1800" spc="-1" strike="noStrike">
+              <a:t> AddWindow</a:t>
+            </a:r>
+            <a:r>
+              <a:rPr lang="ru-RU" sz="1800" b="0" strike="noStrike" spc="-1">
                 <a:solidFill>
                   <a:srgbClr val="000000"/>
                 </a:solidFill>
                 <a:latin typeface="Times New Roman"/>
                 <a:ea typeface="DejaVu Sans"/>
               </a:rPr>
+              <a:t> и </a:t>
+            </a:r>
+            <a:r>
+              <a:rPr lang="ru-RU" sz="1800" b="0" u="sng" strike="noStrike" spc="-1">
+                <a:solidFill>
+                  <a:srgbClr val="0000EE"/>
+                </a:solidFill>
+                <a:uFillTx/>
+                <a:latin typeface="Times New Roman"/>
+                <a:ea typeface="DejaVu Sans"/>
+                <a:hlinkClick r:id="rId7"/>
+              </a:rPr>
+              <a:t>MainWindow</a:t>
+            </a:r>
+            <a:r>
+              <a:rPr lang="ru-RU" sz="1800" b="0" strike="noStrike" spc="-1">
+                <a:solidFill>
+                  <a:srgbClr val="000000"/>
+                </a:solidFill>
+                <a:latin typeface="Times New Roman"/>
+                <a:ea typeface="DejaVu Sans"/>
+              </a:rPr>
               <a:t>.</a:t>
             </a:r>
-            <a:endParaRPr b="0" lang="ru-RU" sz="1800" spc="-1" strike="noStrike">
+            <a:endParaRPr lang="ru-RU" sz="1800" b="0" strike="noStrike" spc="-1">
               <a:solidFill>
                 <a:srgbClr val="000000"/>
               </a:solidFill>
@@ -2310,13 +2799,16 @@
       </p:sp>
     </p:spTree>
   </p:cSld>
-  <mc:AlternateContent>
+  <p:clrMapOvr>
+    <a:masterClrMapping/>
+  </p:clrMapOvr>
+  <mc:AlternateContent xmlns:mc="http://schemas.openxmlformats.org/markup-compatibility/2006" xmlns:p14="http://schemas.microsoft.com/office/powerpoint/2010/main">
     <mc:Choice Requires="p14">
       <p:transition spd="slow" p14:dur="2000">
         <p:random/>
       </p:transition>
     </mc:Choice>
-    <mc:Fallback>
+    <mc:Fallback xmlns:p15="http://schemas.microsoft.com/office/powerpoint/2012/main" xmlns="">
       <p:transition spd="slow">
         <p:random/>
       </p:transition>
@@ -2326,7 +2818,7 @@
 </file>
 
 <file path=ppt/slides/slide6.xml><?xml version="1.0" encoding="utf-8"?>
-<p:sld xmlns:a="http://schemas.openxmlformats.org/drawingml/2006/main" xmlns:p="http://schemas.openxmlformats.org/presentationml/2006/main" xmlns:r="http://schemas.openxmlformats.org/officeDocument/2006/relationships" xmlns:p14="http://schemas.microsoft.com/office/powerpoint/2010/main" xmlns:p15="http://schemas.microsoft.com/office/powerpoint/2012/main" xmlns:mc="http://schemas.openxmlformats.org/markup-compatibility/2006">
+<p:sld xmlns:a="http://schemas.openxmlformats.org/drawingml/2006/main" xmlns:r="http://schemas.openxmlformats.org/officeDocument/2006/relationships" xmlns:p="http://schemas.openxmlformats.org/presentationml/2006/main">
   <p:cSld>
     <p:spTree>
       <p:nvGrpSpPr>
@@ -2366,9 +2858,10 @@
           </a:ln>
         </p:spPr>
         <p:txBody>
-          <a:bodyPr lIns="0" rIns="0" tIns="0" bIns="0" anchor="ctr">
+          <a:bodyPr lIns="0" tIns="0" rIns="0" bIns="0" anchor="ctr">
             <a:noAutofit/>
           </a:bodyPr>
+          <a:lstStyle/>
           <a:p>
             <a:pPr indent="0" algn="ctr">
               <a:lnSpc>
@@ -2376,11 +2869,11 @@
               </a:lnSpc>
               <a:buNone/>
               <a:tabLst>
-                <a:tab algn="l" pos="0"/>
+                <a:tab pos="0" algn="l"/>
               </a:tabLst>
             </a:pPr>
             <a:r>
-              <a:rPr b="0" lang="ru-RU" sz="4400" spc="-1" strike="noStrike">
+              <a:rPr lang="ru-RU" sz="4400" b="0" strike="noStrike" spc="-1">
                 <a:solidFill>
                   <a:srgbClr val="000000"/>
                 </a:solidFill>
@@ -2388,23 +2881,17 @@
               </a:rPr>
               <a:t>Разработка класса БД</a:t>
             </a:r>
-            <a:endParaRPr b="0" lang="ru-RU" sz="4400" spc="-1" strike="noStrike">
-              <a:solidFill>
-                <a:srgbClr val="000000"/>
-              </a:solidFill>
-              <a:latin typeface="DejaVu Sans"/>
-            </a:endParaRPr>
           </a:p>
         </p:txBody>
       </p:sp>
       <p:pic>
         <p:nvPicPr>
-          <p:cNvPr id="29" name="" descr=""/>
+          <p:cNvPr id="29" name="Рисунок 28"/>
           <p:cNvPicPr/>
           <p:nvPr/>
         </p:nvPicPr>
         <p:blipFill>
-          <a:blip r:embed="rId1"/>
+          <a:blip r:embed="rId2"/>
           <a:stretch/>
         </p:blipFill>
         <p:spPr>
@@ -2422,7 +2909,7 @@
       </p:pic>
       <p:sp>
         <p:nvSpPr>
-          <p:cNvPr id="30" name=""/>
+          <p:cNvPr id="30" name="Прямоугольник 29"/>
           <p:cNvSpPr/>
           <p:nvPr/>
         </p:nvSpPr>
@@ -2440,15 +2927,22 @@
           </a:ln>
         </p:spPr>
         <p:style>
-          <a:lnRef idx="0"/>
-          <a:fillRef idx="0"/>
-          <a:effectRef idx="0"/>
+          <a:lnRef idx="0">
+            <a:scrgbClr r="0" g="0" b="0"/>
+          </a:lnRef>
+          <a:fillRef idx="0">
+            <a:scrgbClr r="0" g="0" b="0"/>
+          </a:fillRef>
+          <a:effectRef idx="0">
+            <a:scrgbClr r="0" g="0" b="0"/>
+          </a:effectRef>
           <a:fontRef idx="minor"/>
         </p:style>
         <p:txBody>
-          <a:bodyPr lIns="90000" rIns="90000" tIns="45000" bIns="45000" anchor="ctr">
+          <a:bodyPr lIns="90000" tIns="45000" rIns="90000" bIns="45000" anchor="ctr">
             <a:noAutofit/>
           </a:bodyPr>
+          <a:lstStyle/>
           <a:p>
             <a:pPr>
               <a:lnSpc>
@@ -2456,7 +2950,7 @@
               </a:lnSpc>
             </a:pPr>
             <a:r>
-              <a:rPr b="0" lang="ru-RU" sz="1800" spc="-1" strike="noStrike">
+              <a:rPr lang="ru-RU" sz="1800" b="0" strike="noStrike" spc="-1">
                 <a:solidFill>
                   <a:srgbClr val="000000"/>
                 </a:solidFill>
@@ -2466,19 +2960,19 @@
               <a:t>Что бы в каждой функции не вызывать БД и не создавать новый курсор, я решил создать класс </a:t>
             </a:r>
             <a:r>
-              <a:rPr b="0" lang="ru-RU" sz="1800" spc="-1" strike="noStrike" u="sng">
-                <a:solidFill>
-                  <a:srgbClr val="0000ee"/>
+              <a:rPr lang="ru-RU" sz="1800" b="0" u="sng" strike="noStrike" spc="-1">
+                <a:solidFill>
+                  <a:srgbClr val="0000EE"/>
                 </a:solidFill>
                 <a:uFillTx/>
                 <a:latin typeface="Times New Roman"/>
                 <a:ea typeface="DejaVu Sans"/>
-                <a:hlinkClick r:id="rId2"/>
+                <a:hlinkClick r:id="rId3"/>
               </a:rPr>
               <a:t>Db</a:t>
             </a:r>
             <a:r>
-              <a:rPr b="0" lang="ru-RU" sz="1800" spc="-1" strike="noStrike">
+              <a:rPr lang="ru-RU" sz="1800" b="0" strike="noStrike" spc="-1">
                 <a:solidFill>
                   <a:srgbClr val="000000"/>
                 </a:solidFill>
@@ -2487,7 +2981,7 @@
               </a:rPr>
               <a:t>. В нём я определил все необходимые методы и в последствие вызывал его для работы с базой данных.</a:t>
             </a:r>
-            <a:endParaRPr b="0" lang="ru-RU" sz="1800" spc="-1" strike="noStrike">
+            <a:endParaRPr lang="ru-RU" sz="1800" b="0" strike="noStrike" spc="-1">
               <a:solidFill>
                 <a:srgbClr val="000000"/>
               </a:solidFill>
@@ -2498,13 +2992,16 @@
       </p:sp>
     </p:spTree>
   </p:cSld>
-  <mc:AlternateContent>
+  <p:clrMapOvr>
+    <a:masterClrMapping/>
+  </p:clrMapOvr>
+  <mc:AlternateContent xmlns:mc="http://schemas.openxmlformats.org/markup-compatibility/2006" xmlns:p14="http://schemas.microsoft.com/office/powerpoint/2010/main">
     <mc:Choice Requires="p14">
       <p:transition spd="slow" p14:dur="2000">
         <p:random/>
       </p:transition>
     </mc:Choice>
-    <mc:Fallback>
+    <mc:Fallback xmlns:p15="http://schemas.microsoft.com/office/powerpoint/2012/main" xmlns="">
       <p:transition spd="slow">
         <p:random/>
       </p:transition>
@@ -2514,7 +3011,7 @@
 </file>
 
 <file path=ppt/slides/slide7.xml><?xml version="1.0" encoding="utf-8"?>
-<p:sld xmlns:a="http://schemas.openxmlformats.org/drawingml/2006/main" xmlns:p="http://schemas.openxmlformats.org/presentationml/2006/main" xmlns:r="http://schemas.openxmlformats.org/officeDocument/2006/relationships" xmlns:p14="http://schemas.microsoft.com/office/powerpoint/2010/main" xmlns:p15="http://schemas.microsoft.com/office/powerpoint/2012/main" xmlns:mc="http://schemas.openxmlformats.org/markup-compatibility/2006">
+<p:sld xmlns:a="http://schemas.openxmlformats.org/drawingml/2006/main" xmlns:r="http://schemas.openxmlformats.org/officeDocument/2006/relationships" xmlns:p="http://schemas.openxmlformats.org/presentationml/2006/main">
   <p:cSld>
     <p:spTree>
       <p:nvGrpSpPr>
@@ -2554,15 +3051,16 @@
           </a:ln>
         </p:spPr>
         <p:txBody>
-          <a:bodyPr lIns="0" rIns="0" tIns="0" bIns="0" anchor="ctr">
+          <a:bodyPr lIns="0" tIns="0" rIns="0" bIns="0" anchor="ctr">
             <a:noAutofit/>
           </a:bodyPr>
+          <a:lstStyle/>
           <a:p>
             <a:pPr indent="0" algn="ctr">
               <a:buNone/>
             </a:pPr>
             <a:r>
-              <a:rPr b="0" lang="ru-RU" sz="4400" spc="-1" strike="noStrike">
+              <a:rPr lang="ru-RU" sz="4400" b="0" strike="noStrike" spc="-1">
                 <a:solidFill>
                   <a:srgbClr val="000000"/>
                 </a:solidFill>
@@ -2570,23 +3068,17 @@
               </a:rPr>
               <a:t>Результат</a:t>
             </a:r>
-            <a:endParaRPr b="0" lang="ru-RU" sz="4400" spc="-1" strike="noStrike">
-              <a:solidFill>
-                <a:srgbClr val="000000"/>
-              </a:solidFill>
-              <a:latin typeface="DejaVu Sans"/>
-            </a:endParaRPr>
           </a:p>
         </p:txBody>
       </p:sp>
       <p:pic>
         <p:nvPicPr>
-          <p:cNvPr id="32" name="" descr=""/>
+          <p:cNvPr id="32" name="Рисунок 31"/>
           <p:cNvPicPr/>
           <p:nvPr/>
         </p:nvPicPr>
         <p:blipFill>
-          <a:blip r:embed="rId1"/>
+          <a:blip r:embed="rId2"/>
           <a:stretch/>
         </p:blipFill>
         <p:spPr>
@@ -2604,7 +3096,7 @@
       </p:pic>
       <p:sp>
         <p:nvSpPr>
-          <p:cNvPr id="33" name=""/>
+          <p:cNvPr id="33" name="TextBox 32"/>
           <p:cNvSpPr txBox="1"/>
           <p:nvPr/>
         </p:nvSpPr>
@@ -2622,12 +3114,13 @@
           </a:ln>
         </p:spPr>
         <p:txBody>
-          <a:bodyPr lIns="90000" rIns="90000" tIns="45000" bIns="45000" anchor="ctr">
+          <a:bodyPr lIns="90000" tIns="45000" rIns="90000" bIns="45000" anchor="ctr">
             <a:noAutofit/>
           </a:bodyPr>
-          <a:p>
-            <a:r>
-              <a:rPr b="0" lang="ru-RU" sz="1800" spc="-1" strike="noStrike">
+          <a:lstStyle/>
+          <a:p>
+            <a:r>
+              <a:rPr lang="ru-RU" sz="1800" b="0" strike="noStrike" spc="-1">
                 <a:solidFill>
                   <a:srgbClr val="000000"/>
                 </a:solidFill>
@@ -2636,17 +3129,17 @@
               <a:t>За десять дней я завершил свой проект. Ещё несколько дней ушло на отладку. Я узнал много нового и, я думаю, уже хорошо освоил </a:t>
             </a:r>
             <a:r>
-              <a:rPr b="0" lang="ru-RU" sz="1800" spc="-1" strike="noStrike">
+              <a:rPr lang="ru-RU" sz="1800" b="0" strike="noStrike" spc="-1">
                 <a:solidFill>
                   <a:srgbClr val="000000"/>
                 </a:solidFill>
                 <a:latin typeface="Times New Roman"/>
-                <a:hlinkClick r:id="rId2"/>
+                <a:hlinkClick r:id="rId3"/>
               </a:rPr>
               <a:t>pyqt6</a:t>
             </a:r>
             <a:r>
-              <a:rPr b="0" lang="ru-RU" sz="1800" spc="-1" strike="noStrike">
+              <a:rPr lang="ru-RU" sz="1800" b="0" strike="noStrike" spc="-1">
                 <a:solidFill>
                   <a:srgbClr val="000000"/>
                 </a:solidFill>
@@ -2654,18 +3147,12 @@
               </a:rPr>
               <a:t>. </a:t>
             </a:r>
-            <a:endParaRPr b="0" lang="ru-RU" sz="1800" spc="-1" strike="noStrike">
-              <a:solidFill>
-                <a:srgbClr val="000000"/>
-              </a:solidFill>
-              <a:latin typeface="Times New Roman"/>
-            </a:endParaRPr>
           </a:p>
         </p:txBody>
       </p:sp>
       <p:sp>
         <p:nvSpPr>
-          <p:cNvPr id="34" name=""/>
+          <p:cNvPr id="34" name="TextBox 33"/>
           <p:cNvSpPr txBox="1"/>
           <p:nvPr/>
         </p:nvSpPr>
@@ -2683,12 +3170,13 @@
           </a:ln>
         </p:spPr>
         <p:txBody>
-          <a:bodyPr lIns="90000" rIns="90000" tIns="45000" bIns="45000" anchor="ctr">
+          <a:bodyPr lIns="90000" tIns="45000" rIns="90000" bIns="45000" anchor="ctr">
             <a:noAutofit/>
           </a:bodyPr>
-          <a:p>
-            <a:r>
-              <a:rPr b="0" lang="ru-RU" sz="1800" spc="-1" strike="noStrike">
+          <a:lstStyle/>
+          <a:p>
+            <a:r>
+              <a:rPr lang="ru-RU" sz="1800" b="0" strike="noStrike" spc="-1">
                 <a:solidFill>
                   <a:srgbClr val="000000"/>
                 </a:solidFill>
@@ -2697,17 +3185,17 @@
               <a:t>Ознакомиться с исходниками можно на </a:t>
             </a:r>
             <a:r>
-              <a:rPr b="0" lang="ru-RU" sz="1800" spc="-1" strike="noStrike">
+              <a:rPr lang="ru-RU" sz="1800" b="0" strike="noStrike" spc="-1">
                 <a:solidFill>
                   <a:srgbClr val="000000"/>
                 </a:solidFill>
                 <a:latin typeface="Times New Roman"/>
-                <a:hlinkClick r:id="rId3"/>
+                <a:hlinkClick r:id="rId4"/>
               </a:rPr>
               <a:t>GitHub</a:t>
             </a:r>
             <a:r>
-              <a:rPr b="0" lang="ru-RU" sz="1800" spc="-1" strike="noStrike">
+              <a:rPr lang="ru-RU" sz="1800" b="0" strike="noStrike" spc="-1">
                 <a:solidFill>
                   <a:srgbClr val="000000"/>
                 </a:solidFill>
@@ -2715,24 +3203,21 @@
               </a:rPr>
               <a:t>.</a:t>
             </a:r>
-            <a:endParaRPr b="0" lang="ru-RU" sz="1800" spc="-1" strike="noStrike">
-              <a:solidFill>
-                <a:srgbClr val="000000"/>
-              </a:solidFill>
-              <a:latin typeface="Times New Roman"/>
-            </a:endParaRPr>
           </a:p>
         </p:txBody>
       </p:sp>
     </p:spTree>
   </p:cSld>
-  <mc:AlternateContent>
+  <p:clrMapOvr>
+    <a:masterClrMapping/>
+  </p:clrMapOvr>
+  <mc:AlternateContent xmlns:mc="http://schemas.openxmlformats.org/markup-compatibility/2006" xmlns:p14="http://schemas.microsoft.com/office/powerpoint/2010/main">
     <mc:Choice Requires="p14">
       <p:transition spd="slow" p14:dur="2000">
         <p:random/>
       </p:transition>
     </mc:Choice>
-    <mc:Fallback>
+    <mc:Fallback xmlns:p15="http://schemas.microsoft.com/office/powerpoint/2012/main" xmlns="">
       <p:transition spd="slow">
         <p:random/>
       </p:transition>
@@ -2742,56 +3227,56 @@
 </file>
 
 <file path=ppt/theme/theme1.xml><?xml version="1.0" encoding="utf-8"?>
-<a:theme xmlns:a="http://schemas.openxmlformats.org/drawingml/2006/main" xmlns:r="http://schemas.openxmlformats.org/officeDocument/2006/relationships" name="Office">
+<a:theme xmlns:a="http://schemas.openxmlformats.org/drawingml/2006/main" name="Office">
   <a:themeElements>
     <a:clrScheme name="LibreOffice">
       <a:dk1>
         <a:srgbClr val="000000"/>
       </a:dk1>
       <a:lt1>
-        <a:srgbClr val="ffffff"/>
+        <a:srgbClr val="FFFFFF"/>
       </a:lt1>
       <a:dk2>
         <a:srgbClr val="000000"/>
       </a:dk2>
       <a:lt2>
-        <a:srgbClr val="ffffff"/>
+        <a:srgbClr val="FFFFFF"/>
       </a:lt2>
       <a:accent1>
-        <a:srgbClr val="18a303"/>
+        <a:srgbClr val="18A303"/>
       </a:accent1>
       <a:accent2>
-        <a:srgbClr val="0369a3"/>
+        <a:srgbClr val="0369A3"/>
       </a:accent2>
       <a:accent3>
-        <a:srgbClr val="a33e03"/>
+        <a:srgbClr val="A33E03"/>
       </a:accent3>
       <a:accent4>
-        <a:srgbClr val="8e03a3"/>
+        <a:srgbClr val="8E03A3"/>
       </a:accent4>
       <a:accent5>
-        <a:srgbClr val="c99c00"/>
+        <a:srgbClr val="C99C00"/>
       </a:accent5>
       <a:accent6>
-        <a:srgbClr val="c9211e"/>
+        <a:srgbClr val="C9211E"/>
       </a:accent6>
       <a:hlink>
-        <a:srgbClr val="0000ee"/>
+        <a:srgbClr val="0000EE"/>
       </a:hlink>
       <a:folHlink>
-        <a:srgbClr val="551a8b"/>
+        <a:srgbClr val="551A8B"/>
       </a:folHlink>
     </a:clrScheme>
     <a:fontScheme name="Office">
       <a:majorFont>
-        <a:latin typeface="Arial" pitchFamily="0" charset="1"/>
-        <a:ea typeface="DejaVu Sans" pitchFamily="0" charset="1"/>
-        <a:cs typeface="DejaVu Sans" pitchFamily="0" charset="1"/>
+        <a:latin typeface="Arial"/>
+        <a:ea typeface="DejaVu Sans"/>
+        <a:cs typeface="DejaVu Sans"/>
       </a:majorFont>
       <a:minorFont>
-        <a:latin typeface="Arial" pitchFamily="0" charset="1"/>
-        <a:ea typeface="DejaVu Sans" pitchFamily="0" charset="1"/>
-        <a:cs typeface="DejaVu Sans" pitchFamily="0" charset="1"/>
+        <a:latin typeface="Arial"/>
+        <a:ea typeface="DejaVu Sans"/>
+        <a:cs typeface="DejaVu Sans"/>
       </a:minorFont>
     </a:fontScheme>
     <a:fmtScheme>
@@ -2844,60 +3329,62 @@
       </a:bgFillStyleLst>
     </a:fmtScheme>
   </a:themeElements>
+  <a:objectDefaults/>
+  <a:extraClrSchemeLst/>
 </a:theme>
 </file>
 
 <file path=ppt/theme/theme2.xml><?xml version="1.0" encoding="utf-8"?>
-<a:theme xmlns:a="http://schemas.openxmlformats.org/drawingml/2006/main" xmlns:r="http://schemas.openxmlformats.org/officeDocument/2006/relationships" name="Office">
+<a:theme xmlns:a="http://schemas.openxmlformats.org/drawingml/2006/main" name="Office">
   <a:themeElements>
     <a:clrScheme name="LibreOffice">
       <a:dk1>
         <a:srgbClr val="000000"/>
       </a:dk1>
       <a:lt1>
-        <a:srgbClr val="ffffff"/>
+        <a:srgbClr val="FFFFFF"/>
       </a:lt1>
       <a:dk2>
         <a:srgbClr val="000000"/>
       </a:dk2>
       <a:lt2>
-        <a:srgbClr val="ffffff"/>
+        <a:srgbClr val="FFFFFF"/>
       </a:lt2>
       <a:accent1>
-        <a:srgbClr val="18a303"/>
+        <a:srgbClr val="18A303"/>
       </a:accent1>
       <a:accent2>
-        <a:srgbClr val="0369a3"/>
+        <a:srgbClr val="0369A3"/>
       </a:accent2>
       <a:accent3>
-        <a:srgbClr val="a33e03"/>
+        <a:srgbClr val="A33E03"/>
       </a:accent3>
       <a:accent4>
-        <a:srgbClr val="8e03a3"/>
+        <a:srgbClr val="8E03A3"/>
       </a:accent4>
       <a:accent5>
-        <a:srgbClr val="c99c00"/>
+        <a:srgbClr val="C99C00"/>
       </a:accent5>
       <a:accent6>
-        <a:srgbClr val="c9211e"/>
+        <a:srgbClr val="C9211E"/>
       </a:accent6>
       <a:hlink>
-        <a:srgbClr val="0000ee"/>
+        <a:srgbClr val="0000EE"/>
       </a:hlink>
       <a:folHlink>
-        <a:srgbClr val="551a8b"/>
+        <a:srgbClr val="551A8B"/>
       </a:folHlink>
     </a:clrScheme>
     <a:fontScheme name="Office">
       <a:majorFont>
-        <a:latin typeface="Arial" pitchFamily="0" charset="1"/>
-        <a:ea typeface="DejaVu Sans" pitchFamily="0" charset="1"/>
-        <a:cs typeface="DejaVu Sans" pitchFamily="0" charset="1"/>
+        <a:latin typeface="Arial"/>
+        <a:ea typeface="DejaVu Sans"/>
+        <a:cs typeface="DejaVu Sans"/>
       </a:majorFont>
       <a:minorFont>
-        <a:latin typeface="Arial" pitchFamily="0" charset="1"/>
-        <a:ea typeface="DejaVu Sans" pitchFamily="0" charset="1"/>
-        <a:cs typeface="DejaVu Sans" pitchFamily="0" charset="1"/>
+        <a:latin typeface="Arial"/>
+        <a:ea typeface="DejaVu Sans"/>
+        <a:cs typeface="DejaVu Sans"/>
       </a:minorFont>
     </a:fontScheme>
     <a:fmtScheme>
@@ -2950,5 +3437,7 @@
       </a:bgFillStyleLst>
     </a:fmtScheme>
   </a:themeElements>
+  <a:objectDefaults/>
+  <a:extraClrSchemeLst/>
 </a:theme>
 </file>
--- a/Presentation.pptx
+++ b/Presentation.pptx
@@ -111,6 +111,11 @@
       </a:defRPr>
     </a:lvl9pPr>
   </p:defaultTextStyle>
+  <p:extLst>
+    <p:ext uri="{EFAFB233-063F-42B5-8137-9DF3F51BA10A}">
+      <p15:sldGuideLst xmlns:p15="http://schemas.microsoft.com/office/powerpoint/2012/main"/>
+    </p:ext>
+  </p:extLst>
 </p:presentation>
 </file>
 
@@ -2013,7 +2018,7 @@
         <p:random/>
       </p:transition>
     </mc:Choice>
-    <mc:Fallback xmlns:p15="http://schemas.microsoft.com/office/powerpoint/2012/main" xmlns="">
+    <mc:Fallback xmlns="" xmlns:p15="http://schemas.microsoft.com/office/powerpoint/2012/main">
       <p:transition spd="slow">
         <p:random/>
       </p:transition>
@@ -2167,7 +2172,7 @@
         <p:random/>
       </p:transition>
     </mc:Choice>
-    <mc:Fallback xmlns:p15="http://schemas.microsoft.com/office/powerpoint/2012/main" xmlns="">
+    <mc:Fallback xmlns="" xmlns:p15="http://schemas.microsoft.com/office/powerpoint/2012/main">
       <p:transition spd="slow">
         <p:random/>
       </p:transition>
@@ -2260,7 +2265,7 @@
         <p:random/>
       </p:transition>
     </mc:Choice>
-    <mc:Fallback xmlns:p15="http://schemas.microsoft.com/office/powerpoint/2012/main" xmlns="">
+    <mc:Fallback xmlns="" xmlns:p15="http://schemas.microsoft.com/office/powerpoint/2012/main">
       <p:transition spd="slow">
         <p:random/>
       </p:transition>
@@ -2354,31 +2359,8 @@
         </p:blipFill>
         <p:spPr>
           <a:xfrm>
-            <a:off x="907200" y="3231910"/>
+            <a:off x="310322" y="1528471"/>
             <a:ext cx="4131720" cy="2212560"/>
-          </a:xfrm>
-          <a:prstGeom prst="rect">
-            <a:avLst/>
-          </a:prstGeom>
-          <a:ln w="0">
-            <a:noFill/>
-          </a:ln>
-        </p:spPr>
-      </p:pic>
-      <p:pic>
-        <p:nvPicPr>
-          <p:cNvPr id="21" name="Рисунок 20"/>
-          <p:cNvPicPr/>
-          <p:nvPr/>
-        </p:nvPicPr>
-        <p:blipFill>
-          <a:blip r:embed="rId3"/>
-          <a:stretch/>
-        </p:blipFill>
-        <p:spPr>
-          <a:xfrm>
-            <a:off x="5903079" y="1896032"/>
-            <a:ext cx="3588740" cy="3446997"/>
           </a:xfrm>
           <a:prstGeom prst="rect">
             <a:avLst/>
@@ -2396,7 +2378,7 @@
         </p:nvSpPr>
         <p:spPr>
           <a:xfrm>
-            <a:off x="588806" y="1393215"/>
+            <a:off x="994387" y="4350267"/>
             <a:ext cx="4672742" cy="1442060"/>
           </a:xfrm>
           <a:prstGeom prst="rect">
@@ -2446,9 +2428,29 @@
                 </a:solidFill>
                 <a:uFillTx/>
                 <a:latin typeface="Times New Roman"/>
+                <a:hlinkClick r:id="rId3"/>
+              </a:rPr>
+              <a:t>window.ui</a:t>
+            </a:r>
+            <a:r>
+              <a:rPr lang="ru-RU" sz="1800" b="0" strike="noStrike" spc="-1" dirty="0">
+                <a:solidFill>
+                  <a:srgbClr val="000000"/>
+                </a:solidFill>
+                <a:latin typeface="Times New Roman"/>
+              </a:rPr>
+              <a:t>, </a:t>
+            </a:r>
+            <a:r>
+              <a:rPr lang="ru-RU" sz="1800" b="0" u="sng" strike="noStrike" spc="-1" dirty="0" err="1">
+                <a:solidFill>
+                  <a:srgbClr val="0000EE"/>
+                </a:solidFill>
+                <a:uFillTx/>
+                <a:latin typeface="Times New Roman"/>
                 <a:hlinkClick r:id="rId4"/>
               </a:rPr>
-              <a:t>window.ui</a:t>
+              <a:t>deleteWindow.ui</a:t>
             </a:r>
             <a:r>
               <a:rPr lang="ru-RU" sz="1800" b="0" strike="noStrike" spc="-1" dirty="0">
@@ -2457,7 +2459,7 @@
                 </a:solidFill>
                 <a:latin typeface="Times New Roman"/>
               </a:rPr>
-              <a:t>, </a:t>
+              <a:t> и </a:t>
             </a:r>
             <a:r>
               <a:rPr lang="ru-RU" sz="1800" b="0" u="sng" strike="noStrike" spc="-1" dirty="0" err="1">
@@ -2467,26 +2469,6 @@
                 <a:uFillTx/>
                 <a:latin typeface="Times New Roman"/>
                 <a:hlinkClick r:id="rId5"/>
-              </a:rPr>
-              <a:t>deleteWindow.ui</a:t>
-            </a:r>
-            <a:r>
-              <a:rPr lang="ru-RU" sz="1800" b="0" strike="noStrike" spc="-1" dirty="0">
-                <a:solidFill>
-                  <a:srgbClr val="000000"/>
-                </a:solidFill>
-                <a:latin typeface="Times New Roman"/>
-              </a:rPr>
-              <a:t> и </a:t>
-            </a:r>
-            <a:r>
-              <a:rPr lang="ru-RU" sz="1800" b="0" u="sng" strike="noStrike" spc="-1" dirty="0" err="1">
-                <a:solidFill>
-                  <a:srgbClr val="0000EE"/>
-                </a:solidFill>
-                <a:uFillTx/>
-                <a:latin typeface="Times New Roman"/>
-                <a:hlinkClick r:id="rId6"/>
               </a:rPr>
               <a:t>addWindow.ui</a:t>
             </a:r>
@@ -2508,6 +2490,94 @@
           </a:p>
         </p:txBody>
       </p:sp>
+      <p:sp>
+        <p:nvSpPr>
+          <p:cNvPr id="2" name="TextBox 1">
+            <a:extLst>
+              <a:ext uri="{FF2B5EF4-FFF2-40B4-BE49-F238E27FC236}">
+                <a16:creationId xmlns:a16="http://schemas.microsoft.com/office/drawing/2014/main" id="{B5EBBFB3-7BFD-4DC4-8B51-0AC0F44C1DEA}"/>
+              </a:ext>
+            </a:extLst>
+          </p:cNvPr>
+          <p:cNvSpPr txBox="1"/>
+          <p:nvPr/>
+        </p:nvSpPr>
+        <p:spPr>
+          <a:xfrm>
+            <a:off x="5038920" y="1594526"/>
+            <a:ext cx="2841441" cy="1200329"/>
+          </a:xfrm>
+          <a:prstGeom prst="rect">
+            <a:avLst/>
+          </a:prstGeom>
+          <a:noFill/>
+        </p:spPr>
+        <p:txBody>
+          <a:bodyPr wrap="square" rtlCol="0">
+            <a:spAutoFit/>
+          </a:bodyPr>
+          <a:lstStyle/>
+          <a:p>
+            <a:r>
+              <a:rPr lang="ru-RU" dirty="0">
+                <a:latin typeface="Times New Roman" panose="02020603050405020304" pitchFamily="18" charset="0"/>
+                <a:cs typeface="Times New Roman" panose="02020603050405020304" pitchFamily="18" charset="0"/>
+              </a:rPr>
+              <a:t>Приложение с темной </a:t>
+            </a:r>
+            <a:r>
+              <a:rPr lang="ru-RU" dirty="0" err="1">
+                <a:latin typeface="Times New Roman" panose="02020603050405020304" pitchFamily="18" charset="0"/>
+                <a:cs typeface="Times New Roman" panose="02020603050405020304" pitchFamily="18" charset="0"/>
+              </a:rPr>
+              <a:t>тёмой</a:t>
+            </a:r>
+            <a:r>
+              <a:rPr lang="ru-RU" dirty="0">
+                <a:latin typeface="Times New Roman" panose="02020603050405020304" pitchFamily="18" charset="0"/>
+                <a:cs typeface="Times New Roman" panose="02020603050405020304" pitchFamily="18" charset="0"/>
+              </a:rPr>
+              <a:t> системы смотрелось плохо, поэтому я сделал тёмную тему для него.</a:t>
+            </a:r>
+          </a:p>
+        </p:txBody>
+      </p:sp>
+      <p:pic>
+        <p:nvPicPr>
+          <p:cNvPr id="4" name="Рисунок 3">
+            <a:extLst>
+              <a:ext uri="{FF2B5EF4-FFF2-40B4-BE49-F238E27FC236}">
+                <a16:creationId xmlns:a16="http://schemas.microsoft.com/office/drawing/2014/main" id="{E4017EA2-9A7F-4F33-B089-B72B89D6AF03}"/>
+              </a:ext>
+            </a:extLst>
+          </p:cNvPr>
+          <p:cNvPicPr>
+            <a:picLocks noChangeAspect="1"/>
+          </p:cNvPicPr>
+          <p:nvPr/>
+        </p:nvPicPr>
+        <p:blipFill>
+          <a:blip r:embed="rId6">
+            <a:extLst>
+              <a:ext uri="{28A0092B-C50C-407E-A947-70E740481C1C}">
+                <a14:useLocalDpi xmlns:a14="http://schemas.microsoft.com/office/drawing/2010/main" val="0"/>
+              </a:ext>
+            </a:extLst>
+          </a:blip>
+          <a:stretch>
+            <a:fillRect/>
+          </a:stretch>
+        </p:blipFill>
+        <p:spPr>
+          <a:xfrm>
+            <a:off x="6536766" y="3218662"/>
+            <a:ext cx="3037074" cy="2219223"/>
+          </a:xfrm>
+          <a:prstGeom prst="rect">
+            <a:avLst/>
+          </a:prstGeom>
+        </p:spPr>
+      </p:pic>
     </p:spTree>
   </p:cSld>
   <p:clrMapOvr>
@@ -2519,7 +2589,7 @@
         <p:random/>
       </p:transition>
     </mc:Choice>
-    <mc:Fallback xmlns:p15="http://schemas.microsoft.com/office/powerpoint/2012/main" xmlns="">
+    <mc:Fallback xmlns="" xmlns:p15="http://schemas.microsoft.com/office/powerpoint/2012/main">
       <p:transition spd="slow">
         <p:random/>
       </p:transition>
@@ -2808,7 +2878,7 @@
         <p:random/>
       </p:transition>
     </mc:Choice>
-    <mc:Fallback xmlns:p15="http://schemas.microsoft.com/office/powerpoint/2012/main" xmlns="">
+    <mc:Fallback xmlns="" xmlns:p15="http://schemas.microsoft.com/office/powerpoint/2012/main">
       <p:transition spd="slow">
         <p:random/>
       </p:transition>
@@ -3001,7 +3071,7 @@
         <p:random/>
       </p:transition>
     </mc:Choice>
-    <mc:Fallback xmlns:p15="http://schemas.microsoft.com/office/powerpoint/2012/main" xmlns="">
+    <mc:Fallback xmlns="" xmlns:p15="http://schemas.microsoft.com/office/powerpoint/2012/main">
       <p:transition spd="slow">
         <p:random/>
       </p:transition>
@@ -3217,7 +3287,7 @@
         <p:random/>
       </p:transition>
     </mc:Choice>
-    <mc:Fallback xmlns:p15="http://schemas.microsoft.com/office/powerpoint/2012/main" xmlns="">
+    <mc:Fallback xmlns="" xmlns:p15="http://schemas.microsoft.com/office/powerpoint/2012/main">
       <p:transition spd="slow">
         <p:random/>
       </p:transition>
